--- a/static/backgrounds.pptx
+++ b/static/backgrounds.pptx
@@ -110,6 +110,11 @@
       </a:defRPr>
     </a:lvl9pPr>
   </p:defaultTextStyle>
+  <p:extLst>
+    <p:ext uri="{EFAFB233-063F-42B5-8137-9DF3F51BA10A}">
+      <p15:sldGuideLst xmlns:p15="http://schemas.microsoft.com/office/powerpoint/2012/main"/>
+    </p:ext>
+  </p:extLst>
 </p:presentation>
 </file>
 
@@ -195,7 +200,7 @@
           <a:p>
             <a:fld id="{F47D3ADA-58CA-3749-ACA4-AA8CF7BFBFDC}" type="datetimeFigureOut">
               <a:rPr lang="en-US" smtClean="0"/>
-              <a:t>5/14/20</a:t>
+              <a:t>5/15/20</a:t>
             </a:fld>
             <a:endParaRPr lang="en-US"/>
           </a:p>
@@ -546,6 +551,90 @@
 </p:notes>
 </file>
 
+<file path=ppt/notesSlides/notesSlide2.xml><?xml version="1.0" encoding="utf-8"?>
+<p:notes xmlns:a="http://schemas.openxmlformats.org/drawingml/2006/main" xmlns:r="http://schemas.openxmlformats.org/officeDocument/2006/relationships" xmlns:p="http://schemas.openxmlformats.org/presentationml/2006/main">
+  <p:cSld>
+    <p:spTree>
+      <p:nvGrpSpPr>
+        <p:cNvPr id="1" name=""/>
+        <p:cNvGrpSpPr/>
+        <p:nvPr/>
+      </p:nvGrpSpPr>
+      <p:grpSpPr>
+        <a:xfrm>
+          <a:off x="0" y="0"/>
+          <a:ext cx="0" cy="0"/>
+          <a:chOff x="0" y="0"/>
+          <a:chExt cx="0" cy="0"/>
+        </a:xfrm>
+      </p:grpSpPr>
+      <p:sp>
+        <p:nvSpPr>
+          <p:cNvPr id="2" name="Slide Image Placeholder 1"/>
+          <p:cNvSpPr>
+            <a:spLocks noGrp="1" noRot="1" noChangeAspect="1"/>
+          </p:cNvSpPr>
+          <p:nvPr>
+            <p:ph type="sldImg"/>
+          </p:nvPr>
+        </p:nvSpPr>
+        <p:spPr/>
+      </p:sp>
+      <p:sp>
+        <p:nvSpPr>
+          <p:cNvPr id="3" name="Notes Placeholder 2"/>
+          <p:cNvSpPr>
+            <a:spLocks noGrp="1"/>
+          </p:cNvSpPr>
+          <p:nvPr>
+            <p:ph type="body" idx="1"/>
+          </p:nvPr>
+        </p:nvSpPr>
+        <p:spPr/>
+        <p:txBody>
+          <a:bodyPr/>
+          <a:lstStyle/>
+          <a:p>
+            <a:endParaRPr lang="en-US" dirty="0"/>
+          </a:p>
+        </p:txBody>
+      </p:sp>
+      <p:sp>
+        <p:nvSpPr>
+          <p:cNvPr id="4" name="Slide Number Placeholder 3"/>
+          <p:cNvSpPr>
+            <a:spLocks noGrp="1"/>
+          </p:cNvSpPr>
+          <p:nvPr>
+            <p:ph type="sldNum" sz="quarter" idx="5"/>
+          </p:nvPr>
+        </p:nvSpPr>
+        <p:spPr/>
+        <p:txBody>
+          <a:bodyPr/>
+          <a:lstStyle/>
+          <a:p>
+            <a:fld id="{AF03FDA0-56B3-1C4A-BA3B-AB73F7CB5911}" type="slidenum">
+              <a:rPr lang="en-US" smtClean="0"/>
+              <a:t>2</a:t>
+            </a:fld>
+            <a:endParaRPr lang="en-US"/>
+          </a:p>
+        </p:txBody>
+      </p:sp>
+    </p:spTree>
+    <p:extLst>
+      <p:ext uri="{BB962C8B-B14F-4D97-AF65-F5344CB8AC3E}">
+        <p14:creationId xmlns:p14="http://schemas.microsoft.com/office/powerpoint/2010/main" val="3352532517"/>
+      </p:ext>
+    </p:extLst>
+  </p:cSld>
+  <p:clrMapOvr>
+    <a:masterClrMapping/>
+  </p:clrMapOvr>
+</p:notes>
+</file>
+
 <file path=ppt/slideLayouts/slideLayout1.xml><?xml version="1.0" encoding="utf-8"?>
 <p:sldLayout xmlns:a="http://schemas.openxmlformats.org/drawingml/2006/main" xmlns:r="http://schemas.openxmlformats.org/officeDocument/2006/relationships" xmlns:p="http://schemas.openxmlformats.org/presentationml/2006/main" type="title" preserve="1">
   <p:cSld name="Title Slide">
@@ -693,7 +782,7 @@
           <a:p>
             <a:fld id="{45EA351F-D686-8D46-9B8F-D2F97EDD889B}" type="datetimeFigureOut">
               <a:rPr lang="en-US" smtClean="0"/>
-              <a:t>5/13/20</a:t>
+              <a:t>5/15/20</a:t>
             </a:fld>
             <a:endParaRPr lang="en-US"/>
           </a:p>
@@ -891,7 +980,7 @@
           <a:p>
             <a:fld id="{45EA351F-D686-8D46-9B8F-D2F97EDD889B}" type="datetimeFigureOut">
               <a:rPr lang="en-US" smtClean="0"/>
-              <a:t>5/13/20</a:t>
+              <a:t>5/15/20</a:t>
             </a:fld>
             <a:endParaRPr lang="en-US"/>
           </a:p>
@@ -1099,7 +1188,7 @@
           <a:p>
             <a:fld id="{45EA351F-D686-8D46-9B8F-D2F97EDD889B}" type="datetimeFigureOut">
               <a:rPr lang="en-US" smtClean="0"/>
-              <a:t>5/13/20</a:t>
+              <a:t>5/15/20</a:t>
             </a:fld>
             <a:endParaRPr lang="en-US"/>
           </a:p>
@@ -1297,7 +1386,7 @@
           <a:p>
             <a:fld id="{45EA351F-D686-8D46-9B8F-D2F97EDD889B}" type="datetimeFigureOut">
               <a:rPr lang="en-US" smtClean="0"/>
-              <a:t>5/13/20</a:t>
+              <a:t>5/15/20</a:t>
             </a:fld>
             <a:endParaRPr lang="en-US"/>
           </a:p>
@@ -1572,7 +1661,7 @@
           <a:p>
             <a:fld id="{45EA351F-D686-8D46-9B8F-D2F97EDD889B}" type="datetimeFigureOut">
               <a:rPr lang="en-US" smtClean="0"/>
-              <a:t>5/13/20</a:t>
+              <a:t>5/15/20</a:t>
             </a:fld>
             <a:endParaRPr lang="en-US"/>
           </a:p>
@@ -1837,7 +1926,7 @@
           <a:p>
             <a:fld id="{45EA351F-D686-8D46-9B8F-D2F97EDD889B}" type="datetimeFigureOut">
               <a:rPr lang="en-US" smtClean="0"/>
-              <a:t>5/13/20</a:t>
+              <a:t>5/15/20</a:t>
             </a:fld>
             <a:endParaRPr lang="en-US"/>
           </a:p>
@@ -2249,7 +2338,7 @@
           <a:p>
             <a:fld id="{45EA351F-D686-8D46-9B8F-D2F97EDD889B}" type="datetimeFigureOut">
               <a:rPr lang="en-US" smtClean="0"/>
-              <a:t>5/13/20</a:t>
+              <a:t>5/15/20</a:t>
             </a:fld>
             <a:endParaRPr lang="en-US"/>
           </a:p>
@@ -2390,7 +2479,7 @@
           <a:p>
             <a:fld id="{45EA351F-D686-8D46-9B8F-D2F97EDD889B}" type="datetimeFigureOut">
               <a:rPr lang="en-US" smtClean="0"/>
-              <a:t>5/13/20</a:t>
+              <a:t>5/15/20</a:t>
             </a:fld>
             <a:endParaRPr lang="en-US"/>
           </a:p>
@@ -2503,7 +2592,7 @@
           <a:p>
             <a:fld id="{45EA351F-D686-8D46-9B8F-D2F97EDD889B}" type="datetimeFigureOut">
               <a:rPr lang="en-US" smtClean="0"/>
-              <a:t>5/13/20</a:t>
+              <a:t>5/15/20</a:t>
             </a:fld>
             <a:endParaRPr lang="en-US"/>
           </a:p>
@@ -2814,7 +2903,7 @@
           <a:p>
             <a:fld id="{45EA351F-D686-8D46-9B8F-D2F97EDD889B}" type="datetimeFigureOut">
               <a:rPr lang="en-US" smtClean="0"/>
-              <a:t>5/13/20</a:t>
+              <a:t>5/15/20</a:t>
             </a:fld>
             <a:endParaRPr lang="en-US"/>
           </a:p>
@@ -3102,7 +3191,7 @@
           <a:p>
             <a:fld id="{45EA351F-D686-8D46-9B8F-D2F97EDD889B}" type="datetimeFigureOut">
               <a:rPr lang="en-US" smtClean="0"/>
-              <a:t>5/13/20</a:t>
+              <a:t>5/15/20</a:t>
             </a:fld>
             <a:endParaRPr lang="en-US"/>
           </a:p>
@@ -3343,7 +3432,7 @@
           <a:p>
             <a:fld id="{45EA351F-D686-8D46-9B8F-D2F97EDD889B}" type="datetimeFigureOut">
               <a:rPr lang="en-US" smtClean="0"/>
-              <a:t>5/13/20</a:t>
+              <a:t>5/15/20</a:t>
             </a:fld>
             <a:endParaRPr lang="en-US"/>
           </a:p>
@@ -3892,8 +3981,8 @@
         </p:blipFill>
         <p:spPr>
           <a:xfrm>
-            <a:off x="2381428" y="520520"/>
-            <a:ext cx="914400" cy="914400"/>
+            <a:off x="1797860" y="475"/>
+            <a:ext cx="286780" cy="286780"/>
           </a:xfrm>
           <a:prstGeom prst="rect">
             <a:avLst/>
@@ -3928,8 +4017,8 @@
         </p:blipFill>
         <p:spPr>
           <a:xfrm>
-            <a:off x="237858" y="-19683"/>
-            <a:ext cx="914400" cy="914400"/>
+            <a:off x="144796" y="125577"/>
+            <a:ext cx="520313" cy="520313"/>
           </a:xfrm>
           <a:prstGeom prst="rect">
             <a:avLst/>
@@ -3964,8 +4053,8 @@
         </p:blipFill>
         <p:spPr>
           <a:xfrm>
-            <a:off x="10086930" y="163482"/>
-            <a:ext cx="914400" cy="914400"/>
+            <a:off x="10345929" y="287595"/>
+            <a:ext cx="533027" cy="533027"/>
           </a:xfrm>
           <a:prstGeom prst="rect">
             <a:avLst/>
@@ -5323,6 +5412,651 @@
           <a:chExt cx="0" cy="0"/>
         </a:xfrm>
       </p:grpSpPr>
+      <p:sp>
+        <p:nvSpPr>
+          <p:cNvPr id="4" name="Rectangle 3">
+            <a:extLst>
+              <a:ext uri="{FF2B5EF4-FFF2-40B4-BE49-F238E27FC236}">
+                <a16:creationId xmlns:a16="http://schemas.microsoft.com/office/drawing/2014/main" id="{0CE14DF0-7829-C44C-B7D5-81E5EA1FAC22}"/>
+              </a:ext>
+            </a:extLst>
+          </p:cNvPr>
+          <p:cNvSpPr/>
+          <p:nvPr/>
+        </p:nvSpPr>
+        <p:spPr>
+          <a:xfrm>
+            <a:off x="0" y="0"/>
+            <a:ext cx="12192000" cy="6858000"/>
+          </a:xfrm>
+          <a:prstGeom prst="rect">
+            <a:avLst/>
+          </a:prstGeom>
+          <a:solidFill>
+            <a:srgbClr val="FF9870"/>
+          </a:solidFill>
+          <a:ln>
+            <a:noFill/>
+          </a:ln>
+        </p:spPr>
+        <p:style>
+          <a:lnRef idx="2">
+            <a:schemeClr val="accent1">
+              <a:shade val="50000"/>
+            </a:schemeClr>
+          </a:lnRef>
+          <a:fillRef idx="1">
+            <a:schemeClr val="accent1"/>
+          </a:fillRef>
+          <a:effectRef idx="0">
+            <a:schemeClr val="accent1"/>
+          </a:effectRef>
+          <a:fontRef idx="minor">
+            <a:schemeClr val="lt1"/>
+          </a:fontRef>
+        </p:style>
+        <p:txBody>
+          <a:bodyPr rtlCol="0" anchor="ctr"/>
+          <a:lstStyle/>
+          <a:p>
+            <a:pPr algn="ctr"/>
+            <a:endParaRPr lang="en-US"/>
+          </a:p>
+        </p:txBody>
+      </p:sp>
+      <p:grpSp>
+        <p:nvGrpSpPr>
+          <p:cNvPr id="27" name="Group 26">
+            <a:extLst>
+              <a:ext uri="{FF2B5EF4-FFF2-40B4-BE49-F238E27FC236}">
+                <a16:creationId xmlns:a16="http://schemas.microsoft.com/office/drawing/2014/main" id="{A4021798-3E6C-C840-8A86-DF4242C403DA}"/>
+              </a:ext>
+            </a:extLst>
+          </p:cNvPr>
+          <p:cNvGrpSpPr>
+            <a:grpSpLocks/>
+          </p:cNvGrpSpPr>
+          <p:nvPr/>
+        </p:nvGrpSpPr>
+        <p:grpSpPr>
+          <a:xfrm>
+            <a:off x="233585" y="5088126"/>
+            <a:ext cx="1280160" cy="1280160"/>
+            <a:chOff x="7013567" y="2451538"/>
+            <a:chExt cx="1545336" cy="1545336"/>
+          </a:xfrm>
+        </p:grpSpPr>
+        <p:sp>
+          <p:nvSpPr>
+            <p:cNvPr id="24" name="Oval 23">
+              <a:extLst>
+                <a:ext uri="{FF2B5EF4-FFF2-40B4-BE49-F238E27FC236}">
+                  <a16:creationId xmlns:a16="http://schemas.microsoft.com/office/drawing/2014/main" id="{2D912141-091D-2A4C-A476-6D22960BE250}"/>
+                </a:ext>
+              </a:extLst>
+            </p:cNvPr>
+            <p:cNvSpPr>
+              <a:spLocks noChangeAspect="1"/>
+            </p:cNvSpPr>
+            <p:nvPr/>
+          </p:nvSpPr>
+          <p:spPr>
+            <a:xfrm>
+              <a:off x="7013567" y="2451538"/>
+              <a:ext cx="1545336" cy="1545336"/>
+            </a:xfrm>
+            <a:prstGeom prst="ellipse">
+              <a:avLst/>
+            </a:prstGeom>
+            <a:solidFill>
+              <a:srgbClr val="EAFF70"/>
+            </a:solidFill>
+            <a:ln>
+              <a:noFill/>
+            </a:ln>
+          </p:spPr>
+          <p:style>
+            <a:lnRef idx="2">
+              <a:schemeClr val="accent1">
+                <a:shade val="50000"/>
+              </a:schemeClr>
+            </a:lnRef>
+            <a:fillRef idx="1">
+              <a:schemeClr val="accent1"/>
+            </a:fillRef>
+            <a:effectRef idx="0">
+              <a:schemeClr val="accent1"/>
+            </a:effectRef>
+            <a:fontRef idx="minor">
+              <a:schemeClr val="lt1"/>
+            </a:fontRef>
+          </p:style>
+          <p:txBody>
+            <a:bodyPr rtlCol="0" anchor="ctr"/>
+            <a:lstStyle/>
+            <a:p>
+              <a:pPr algn="ctr"/>
+              <a:endParaRPr lang="en-US" dirty="0"/>
+            </a:p>
+          </p:txBody>
+        </p:sp>
+        <p:pic>
+          <p:nvPicPr>
+            <p:cNvPr id="26" name="Picture 25" descr="A close up of a logo&#10;&#10;Description automatically generated">
+              <a:extLst>
+                <a:ext uri="{FF2B5EF4-FFF2-40B4-BE49-F238E27FC236}">
+                  <a16:creationId xmlns:a16="http://schemas.microsoft.com/office/drawing/2014/main" id="{467F0183-4603-A44D-A5F2-4034732F1A3E}"/>
+                </a:ext>
+              </a:extLst>
+            </p:cNvPr>
+            <p:cNvPicPr>
+              <a:picLocks noChangeAspect="1"/>
+            </p:cNvPicPr>
+            <p:nvPr/>
+          </p:nvPicPr>
+          <p:blipFill>
+            <a:blip r:embed="rId3"/>
+            <a:stretch>
+              <a:fillRect/>
+            </a:stretch>
+          </p:blipFill>
+          <p:spPr>
+            <a:xfrm>
+              <a:off x="7097380" y="2854753"/>
+              <a:ext cx="1377710" cy="461533"/>
+            </a:xfrm>
+            <a:prstGeom prst="rect">
+              <a:avLst/>
+            </a:prstGeom>
+          </p:spPr>
+        </p:pic>
+      </p:grpSp>
+      <p:pic>
+        <p:nvPicPr>
+          <p:cNvPr id="15" name="Picture 14" descr="A close up of a logo&#10;&#10;Description automatically generated">
+            <a:extLst>
+              <a:ext uri="{FF2B5EF4-FFF2-40B4-BE49-F238E27FC236}">
+                <a16:creationId xmlns:a16="http://schemas.microsoft.com/office/drawing/2014/main" id="{DE8E0EE9-0009-EB44-9E98-309059103590}"/>
+              </a:ext>
+            </a:extLst>
+          </p:cNvPr>
+          <p:cNvPicPr>
+            <a:picLocks noChangeAspect="1"/>
+          </p:cNvPicPr>
+          <p:nvPr/>
+        </p:nvPicPr>
+        <p:blipFill>
+          <a:blip r:embed="rId4"/>
+          <a:stretch>
+            <a:fillRect/>
+          </a:stretch>
+        </p:blipFill>
+        <p:spPr>
+          <a:xfrm>
+            <a:off x="-326360" y="5738439"/>
+            <a:ext cx="1039592" cy="473014"/>
+          </a:xfrm>
+          <a:prstGeom prst="rect">
+            <a:avLst/>
+          </a:prstGeom>
+        </p:spPr>
+      </p:pic>
+      <p:grpSp>
+        <p:nvGrpSpPr>
+          <p:cNvPr id="22" name="Group 21">
+            <a:extLst>
+              <a:ext uri="{FF2B5EF4-FFF2-40B4-BE49-F238E27FC236}">
+                <a16:creationId xmlns:a16="http://schemas.microsoft.com/office/drawing/2014/main" id="{BD294722-192B-EB4D-9D04-E9FAE98A8AE2}"/>
+              </a:ext>
+            </a:extLst>
+          </p:cNvPr>
+          <p:cNvGrpSpPr/>
+          <p:nvPr/>
+        </p:nvGrpSpPr>
+        <p:grpSpPr>
+          <a:xfrm>
+            <a:off x="-152400" y="5820760"/>
+            <a:ext cx="1828800" cy="1190297"/>
+            <a:chOff x="-597339" y="4167571"/>
+            <a:chExt cx="4057869" cy="3147629"/>
+          </a:xfrm>
+        </p:grpSpPr>
+        <p:sp>
+          <p:nvSpPr>
+            <p:cNvPr id="11" name="Oval 10">
+              <a:extLst>
+                <a:ext uri="{FF2B5EF4-FFF2-40B4-BE49-F238E27FC236}">
+                  <a16:creationId xmlns:a16="http://schemas.microsoft.com/office/drawing/2014/main" id="{1A42F0D8-A0DA-844F-9A98-62DC4236E5BD}"/>
+                </a:ext>
+              </a:extLst>
+            </p:cNvPr>
+            <p:cNvSpPr/>
+            <p:nvPr/>
+          </p:nvSpPr>
+          <p:spPr>
+            <a:xfrm>
+              <a:off x="-597339" y="6400800"/>
+              <a:ext cx="4057869" cy="914400"/>
+            </a:xfrm>
+            <a:prstGeom prst="ellipse">
+              <a:avLst/>
+            </a:prstGeom>
+            <a:solidFill>
+              <a:schemeClr val="tx1"/>
+            </a:solidFill>
+            <a:ln>
+              <a:noFill/>
+            </a:ln>
+          </p:spPr>
+          <p:style>
+            <a:lnRef idx="2">
+              <a:schemeClr val="accent1">
+                <a:shade val="50000"/>
+              </a:schemeClr>
+            </a:lnRef>
+            <a:fillRef idx="1">
+              <a:schemeClr val="accent1"/>
+            </a:fillRef>
+            <a:effectRef idx="0">
+              <a:schemeClr val="accent1"/>
+            </a:effectRef>
+            <a:fontRef idx="minor">
+              <a:schemeClr val="lt1"/>
+            </a:fontRef>
+          </p:style>
+          <p:txBody>
+            <a:bodyPr rtlCol="0" anchor="ctr"/>
+            <a:lstStyle/>
+            <a:p>
+              <a:pPr algn="ctr"/>
+              <a:endParaRPr lang="en-US"/>
+            </a:p>
+          </p:txBody>
+        </p:sp>
+        <p:pic>
+          <p:nvPicPr>
+            <p:cNvPr id="6" name="Picture 5" descr="A close up of a logo&#10;&#10;Description automatically generated">
+              <a:extLst>
+                <a:ext uri="{FF2B5EF4-FFF2-40B4-BE49-F238E27FC236}">
+                  <a16:creationId xmlns:a16="http://schemas.microsoft.com/office/drawing/2014/main" id="{D1F60A23-C7FC-B449-AF01-05C4162E0107}"/>
+                </a:ext>
+              </a:extLst>
+            </p:cNvPr>
+            <p:cNvPicPr>
+              <a:picLocks noChangeAspect="1"/>
+            </p:cNvPicPr>
+            <p:nvPr/>
+          </p:nvPicPr>
+          <p:blipFill rotWithShape="1">
+            <a:blip r:embed="rId5"/>
+            <a:srcRect b="9595"/>
+            <a:stretch/>
+          </p:blipFill>
+          <p:spPr>
+            <a:xfrm>
+              <a:off x="110577" y="4167571"/>
+              <a:ext cx="1816100" cy="2296291"/>
+            </a:xfrm>
+            <a:prstGeom prst="rect">
+              <a:avLst/>
+            </a:prstGeom>
+          </p:spPr>
+        </p:pic>
+        <p:pic>
+          <p:nvPicPr>
+            <p:cNvPr id="19" name="Picture 18" descr="A close up of a logo&#10;&#10;Description automatically generated">
+              <a:extLst>
+                <a:ext uri="{FF2B5EF4-FFF2-40B4-BE49-F238E27FC236}">
+                  <a16:creationId xmlns:a16="http://schemas.microsoft.com/office/drawing/2014/main" id="{3C2FF254-7865-EA4F-BC93-C06034C87F59}"/>
+                </a:ext>
+              </a:extLst>
+            </p:cNvPr>
+            <p:cNvPicPr>
+              <a:picLocks noChangeAspect="1"/>
+            </p:cNvPicPr>
+            <p:nvPr/>
+          </p:nvPicPr>
+          <p:blipFill>
+            <a:blip r:embed="rId6"/>
+            <a:stretch>
+              <a:fillRect/>
+            </a:stretch>
+          </p:blipFill>
+          <p:spPr>
+            <a:xfrm rot="389833">
+              <a:off x="1192268" y="5501336"/>
+              <a:ext cx="1398752" cy="944158"/>
+            </a:xfrm>
+            <a:prstGeom prst="rect">
+              <a:avLst/>
+            </a:prstGeom>
+          </p:spPr>
+        </p:pic>
+      </p:grpSp>
+      <p:grpSp>
+        <p:nvGrpSpPr>
+          <p:cNvPr id="31" name="Group 30">
+            <a:extLst>
+              <a:ext uri="{FF2B5EF4-FFF2-40B4-BE49-F238E27FC236}">
+                <a16:creationId xmlns:a16="http://schemas.microsoft.com/office/drawing/2014/main" id="{A27EA7BA-7386-9C46-BD9D-991217AF3430}"/>
+              </a:ext>
+            </a:extLst>
+          </p:cNvPr>
+          <p:cNvGrpSpPr/>
+          <p:nvPr/>
+        </p:nvGrpSpPr>
+        <p:grpSpPr>
+          <a:xfrm>
+            <a:off x="10296144" y="6126480"/>
+            <a:ext cx="2329591" cy="799606"/>
+            <a:chOff x="4487672" y="2862072"/>
+            <a:chExt cx="2598928" cy="2566196"/>
+          </a:xfrm>
+        </p:grpSpPr>
+        <p:pic>
+          <p:nvPicPr>
+            <p:cNvPr id="29" name="Picture 28" descr="A picture containing drawing&#10;&#10;Description automatically generated">
+              <a:extLst>
+                <a:ext uri="{FF2B5EF4-FFF2-40B4-BE49-F238E27FC236}">
+                  <a16:creationId xmlns:a16="http://schemas.microsoft.com/office/drawing/2014/main" id="{BE2260B2-68D1-A342-BC5C-36B4421CB400}"/>
+                </a:ext>
+              </a:extLst>
+            </p:cNvPr>
+            <p:cNvPicPr>
+              <a:picLocks noChangeAspect="1"/>
+            </p:cNvPicPr>
+            <p:nvPr/>
+          </p:nvPicPr>
+          <p:blipFill>
+            <a:blip r:embed="rId7"/>
+            <a:stretch>
+              <a:fillRect/>
+            </a:stretch>
+          </p:blipFill>
+          <p:spPr>
+            <a:xfrm>
+              <a:off x="4487672" y="3002568"/>
+              <a:ext cx="2540000" cy="2425700"/>
+            </a:xfrm>
+            <a:prstGeom prst="rect">
+              <a:avLst/>
+            </a:prstGeom>
+          </p:spPr>
+        </p:pic>
+        <p:sp>
+          <p:nvSpPr>
+            <p:cNvPr id="30" name="Rectangle 29">
+              <a:extLst>
+                <a:ext uri="{FF2B5EF4-FFF2-40B4-BE49-F238E27FC236}">
+                  <a16:creationId xmlns:a16="http://schemas.microsoft.com/office/drawing/2014/main" id="{ECAD7126-D0D7-094A-9D80-09FB6CA46397}"/>
+                </a:ext>
+              </a:extLst>
+            </p:cNvPr>
+            <p:cNvSpPr/>
+            <p:nvPr/>
+          </p:nvSpPr>
+          <p:spPr>
+            <a:xfrm>
+              <a:off x="6096000" y="2862072"/>
+              <a:ext cx="990600" cy="896112"/>
+            </a:xfrm>
+            <a:prstGeom prst="rect">
+              <a:avLst/>
+            </a:prstGeom>
+            <a:solidFill>
+              <a:srgbClr val="FF9870"/>
+            </a:solidFill>
+            <a:ln>
+              <a:noFill/>
+            </a:ln>
+          </p:spPr>
+          <p:style>
+            <a:lnRef idx="2">
+              <a:schemeClr val="accent1">
+                <a:shade val="50000"/>
+              </a:schemeClr>
+            </a:lnRef>
+            <a:fillRef idx="1">
+              <a:schemeClr val="accent1"/>
+            </a:fillRef>
+            <a:effectRef idx="0">
+              <a:schemeClr val="accent1"/>
+            </a:effectRef>
+            <a:fontRef idx="minor">
+              <a:schemeClr val="lt1"/>
+            </a:fontRef>
+          </p:style>
+          <p:txBody>
+            <a:bodyPr rtlCol="0" anchor="ctr"/>
+            <a:lstStyle/>
+            <a:p>
+              <a:pPr algn="ctr"/>
+              <a:endParaRPr lang="en-US"/>
+            </a:p>
+          </p:txBody>
+        </p:sp>
+      </p:grpSp>
+      <p:grpSp>
+        <p:nvGrpSpPr>
+          <p:cNvPr id="32" name="Group 31">
+            <a:extLst>
+              <a:ext uri="{FF2B5EF4-FFF2-40B4-BE49-F238E27FC236}">
+                <a16:creationId xmlns:a16="http://schemas.microsoft.com/office/drawing/2014/main" id="{F2A49371-C758-9645-A3E6-E214ED2739F8}"/>
+              </a:ext>
+            </a:extLst>
+          </p:cNvPr>
+          <p:cNvGrpSpPr/>
+          <p:nvPr/>
+        </p:nvGrpSpPr>
+        <p:grpSpPr>
+          <a:xfrm flipH="1">
+            <a:off x="9656064" y="5897288"/>
+            <a:ext cx="1280160" cy="1113769"/>
+            <a:chOff x="6096000" y="2862072"/>
+            <a:chExt cx="990600" cy="2566196"/>
+          </a:xfrm>
+        </p:grpSpPr>
+        <p:pic>
+          <p:nvPicPr>
+            <p:cNvPr id="33" name="Picture 32" descr="A picture containing drawing&#10;&#10;Description automatically generated">
+              <a:extLst>
+                <a:ext uri="{FF2B5EF4-FFF2-40B4-BE49-F238E27FC236}">
+                  <a16:creationId xmlns:a16="http://schemas.microsoft.com/office/drawing/2014/main" id="{243F882F-27FB-A941-B679-AD6E6E8E964A}"/>
+                </a:ext>
+              </a:extLst>
+            </p:cNvPr>
+            <p:cNvPicPr>
+              <a:picLocks noChangeAspect="1"/>
+            </p:cNvPicPr>
+            <p:nvPr/>
+          </p:nvPicPr>
+          <p:blipFill rotWithShape="1">
+            <a:blip r:embed="rId7"/>
+            <a:srcRect l="63320"/>
+            <a:stretch/>
+          </p:blipFill>
+          <p:spPr>
+            <a:xfrm>
+              <a:off x="6096000" y="3002567"/>
+              <a:ext cx="931672" cy="2425701"/>
+            </a:xfrm>
+            <a:prstGeom prst="rect">
+              <a:avLst/>
+            </a:prstGeom>
+          </p:spPr>
+        </p:pic>
+        <p:sp>
+          <p:nvSpPr>
+            <p:cNvPr id="34" name="Rectangle 33">
+              <a:extLst>
+                <a:ext uri="{FF2B5EF4-FFF2-40B4-BE49-F238E27FC236}">
+                  <a16:creationId xmlns:a16="http://schemas.microsoft.com/office/drawing/2014/main" id="{0DA3676F-5E77-4244-BC77-11B618DBB19B}"/>
+                </a:ext>
+              </a:extLst>
+            </p:cNvPr>
+            <p:cNvSpPr/>
+            <p:nvPr/>
+          </p:nvSpPr>
+          <p:spPr>
+            <a:xfrm>
+              <a:off x="6096000" y="2862072"/>
+              <a:ext cx="990600" cy="896112"/>
+            </a:xfrm>
+            <a:prstGeom prst="rect">
+              <a:avLst/>
+            </a:prstGeom>
+            <a:solidFill>
+              <a:srgbClr val="FF9870"/>
+            </a:solidFill>
+            <a:ln>
+              <a:noFill/>
+            </a:ln>
+          </p:spPr>
+          <p:style>
+            <a:lnRef idx="2">
+              <a:schemeClr val="accent1">
+                <a:shade val="50000"/>
+              </a:schemeClr>
+            </a:lnRef>
+            <a:fillRef idx="1">
+              <a:schemeClr val="accent1"/>
+            </a:fillRef>
+            <a:effectRef idx="0">
+              <a:schemeClr val="accent1"/>
+            </a:effectRef>
+            <a:fontRef idx="minor">
+              <a:schemeClr val="lt1"/>
+            </a:fontRef>
+          </p:style>
+          <p:txBody>
+            <a:bodyPr rtlCol="0" anchor="ctr"/>
+            <a:lstStyle/>
+            <a:p>
+              <a:pPr algn="ctr"/>
+              <a:endParaRPr lang="en-US"/>
+            </a:p>
+          </p:txBody>
+        </p:sp>
+      </p:grpSp>
+      <p:pic>
+        <p:nvPicPr>
+          <p:cNvPr id="12" name="Picture 11" descr="A close up of a logo&#10;&#10;Description automatically generated">
+            <a:extLst>
+              <a:ext uri="{FF2B5EF4-FFF2-40B4-BE49-F238E27FC236}">
+                <a16:creationId xmlns:a16="http://schemas.microsoft.com/office/drawing/2014/main" id="{2694BDDE-C06B-A84A-9443-35FB4166E562}"/>
+              </a:ext>
+            </a:extLst>
+          </p:cNvPr>
+          <p:cNvPicPr>
+            <a:picLocks noChangeAspect="1"/>
+          </p:cNvPicPr>
+          <p:nvPr/>
+        </p:nvPicPr>
+        <p:blipFill>
+          <a:blip r:embed="rId4"/>
+          <a:stretch>
+            <a:fillRect/>
+          </a:stretch>
+        </p:blipFill>
+        <p:spPr>
+          <a:xfrm>
+            <a:off x="9533681" y="5474982"/>
+            <a:ext cx="1601077" cy="728490"/>
+          </a:xfrm>
+          <a:prstGeom prst="rect">
+            <a:avLst/>
+          </a:prstGeom>
+        </p:spPr>
+      </p:pic>
+      <p:pic>
+        <p:nvPicPr>
+          <p:cNvPr id="35" name="Picture 34" descr="A close up of a logo&#10;&#10;Description automatically generated">
+            <a:extLst>
+              <a:ext uri="{FF2B5EF4-FFF2-40B4-BE49-F238E27FC236}">
+                <a16:creationId xmlns:a16="http://schemas.microsoft.com/office/drawing/2014/main" id="{9B9120DA-54A3-E040-B1CE-6C96A8249053}"/>
+              </a:ext>
+            </a:extLst>
+          </p:cNvPr>
+          <p:cNvPicPr>
+            <a:picLocks noChangeAspect="1"/>
+          </p:cNvPicPr>
+          <p:nvPr/>
+        </p:nvPicPr>
+        <p:blipFill>
+          <a:blip r:embed="rId4"/>
+          <a:stretch>
+            <a:fillRect/>
+          </a:stretch>
+        </p:blipFill>
+        <p:spPr>
+          <a:xfrm>
+            <a:off x="11684974" y="4858688"/>
+            <a:ext cx="887940" cy="404013"/>
+          </a:xfrm>
+          <a:prstGeom prst="rect">
+            <a:avLst/>
+          </a:prstGeom>
+        </p:spPr>
+      </p:pic>
+      <p:pic>
+        <p:nvPicPr>
+          <p:cNvPr id="36" name="Picture 35" descr="A close up of a logo&#10;&#10;Description automatically generated">
+            <a:extLst>
+              <a:ext uri="{FF2B5EF4-FFF2-40B4-BE49-F238E27FC236}">
+                <a16:creationId xmlns:a16="http://schemas.microsoft.com/office/drawing/2014/main" id="{F03020A7-049E-6946-9A5C-2FB525DC6087}"/>
+              </a:ext>
+            </a:extLst>
+          </p:cNvPr>
+          <p:cNvPicPr>
+            <a:picLocks noChangeAspect="1"/>
+          </p:cNvPicPr>
+          <p:nvPr/>
+        </p:nvPicPr>
+        <p:blipFill>
+          <a:blip r:embed="rId4"/>
+          <a:stretch>
+            <a:fillRect/>
+          </a:stretch>
+        </p:blipFill>
+        <p:spPr>
+          <a:xfrm>
+            <a:off x="1302706" y="3527629"/>
+            <a:ext cx="2190543" cy="996696"/>
+          </a:xfrm>
+          <a:prstGeom prst="rect">
+            <a:avLst/>
+          </a:prstGeom>
+        </p:spPr>
+      </p:pic>
+      <p:pic>
+        <p:nvPicPr>
+          <p:cNvPr id="38" name="Picture 37" descr="A close up of a logo&#10;&#10;Description automatically generated">
+            <a:extLst>
+              <a:ext uri="{FF2B5EF4-FFF2-40B4-BE49-F238E27FC236}">
+                <a16:creationId xmlns:a16="http://schemas.microsoft.com/office/drawing/2014/main" id="{7694C4A9-1B12-144B-B55C-46C1B13C5B42}"/>
+              </a:ext>
+            </a:extLst>
+          </p:cNvPr>
+          <p:cNvPicPr>
+            <a:picLocks noChangeAspect="1"/>
+          </p:cNvPicPr>
+          <p:nvPr/>
+        </p:nvPicPr>
+        <p:blipFill rotWithShape="1">
+          <a:blip r:embed="rId8"/>
+          <a:srcRect r="63895" b="80600"/>
+          <a:stretch/>
+        </p:blipFill>
+        <p:spPr>
+          <a:xfrm>
+            <a:off x="10724214" y="4488348"/>
+            <a:ext cx="1404730" cy="794512"/>
+          </a:xfrm>
+          <a:prstGeom prst="rect">
+            <a:avLst/>
+          </a:prstGeom>
+        </p:spPr>
+      </p:pic>
     </p:spTree>
     <p:extLst>
       <p:ext uri="{BB962C8B-B14F-4D97-AF65-F5344CB8AC3E}">
@@ -5383,6 +6117,46 @@
           <a:chExt cx="0" cy="0"/>
         </a:xfrm>
       </p:grpSpPr>
+      <p:sp>
+        <p:nvSpPr>
+          <p:cNvPr id="2" name="TextBox 1">
+            <a:extLst>
+              <a:ext uri="{FF2B5EF4-FFF2-40B4-BE49-F238E27FC236}">
+                <a16:creationId xmlns:a16="http://schemas.microsoft.com/office/drawing/2014/main" id="{F947E93C-2445-CF47-9591-063089A22EB0}"/>
+              </a:ext>
+            </a:extLst>
+          </p:cNvPr>
+          <p:cNvSpPr txBox="1"/>
+          <p:nvPr/>
+        </p:nvSpPr>
+        <p:spPr>
+          <a:xfrm>
+            <a:off x="1034518" y="2082477"/>
+            <a:ext cx="10122964" cy="2693045"/>
+          </a:xfrm>
+          <a:prstGeom prst="rect">
+            <a:avLst/>
+          </a:prstGeom>
+          <a:noFill/>
+        </p:spPr>
+        <p:txBody>
+          <a:bodyPr wrap="none" rtlCol="0">
+            <a:spAutoFit/>
+          </a:bodyPr>
+          <a:lstStyle/>
+          <a:p>
+            <a:r>
+              <a:rPr lang="en-US" sz="16900" dirty="0">
+                <a:solidFill>
+                  <a:srgbClr val="6BCBF1"/>
+                </a:solidFill>
+                <a:latin typeface="Ballpark Weiner" pitchFamily="2" charset="0"/>
+              </a:rPr>
+              <a:t>Darty Time</a:t>
+            </a:r>
+          </a:p>
+        </p:txBody>
+      </p:sp>
     </p:spTree>
     <p:extLst>
       <p:ext uri="{BB962C8B-B14F-4D97-AF65-F5344CB8AC3E}">

--- a/static/backgrounds.pptx
+++ b/static/backgrounds.pptx
@@ -5,13 +5,15 @@
     <p:sldMasterId id="2147483648" r:id="rId1"/>
   </p:sldMasterIdLst>
   <p:notesMasterIdLst>
-    <p:notesMasterId r:id="rId6"/>
+    <p:notesMasterId r:id="rId8"/>
   </p:notesMasterIdLst>
   <p:sldIdLst>
     <p:sldId id="256" r:id="rId2"/>
     <p:sldId id="257" r:id="rId3"/>
-    <p:sldId id="258" r:id="rId4"/>
-    <p:sldId id="259" r:id="rId5"/>
+    <p:sldId id="260" r:id="rId4"/>
+    <p:sldId id="258" r:id="rId5"/>
+    <p:sldId id="259" r:id="rId6"/>
+    <p:sldId id="261" r:id="rId7"/>
   </p:sldIdLst>
   <p:sldSz cx="12192000" cy="6858000"/>
   <p:notesSz cx="6858000" cy="9144000"/>
@@ -494,7 +496,12 @@
             <p:ph type="sldImg"/>
           </p:nvPr>
         </p:nvSpPr>
-        <p:spPr/>
+        <p:spPr>
+          <a:xfrm>
+            <a:off x="685800" y="1143000"/>
+            <a:ext cx="5486400" cy="3086100"/>
+          </a:xfrm>
+        </p:spPr>
       </p:sp>
       <p:sp>
         <p:nvSpPr>
@@ -578,7 +585,12 @@
             <p:ph type="sldImg"/>
           </p:nvPr>
         </p:nvSpPr>
-        <p:spPr/>
+        <p:spPr>
+          <a:xfrm>
+            <a:off x="685800" y="1143000"/>
+            <a:ext cx="5486400" cy="3086100"/>
+          </a:xfrm>
+        </p:spPr>
       </p:sp>
       <p:sp>
         <p:nvSpPr>
@@ -626,6 +638,95 @@
     <p:extLst>
       <p:ext uri="{BB962C8B-B14F-4D97-AF65-F5344CB8AC3E}">
         <p14:creationId xmlns:p14="http://schemas.microsoft.com/office/powerpoint/2010/main" val="3352532517"/>
+      </p:ext>
+    </p:extLst>
+  </p:cSld>
+  <p:clrMapOvr>
+    <a:masterClrMapping/>
+  </p:clrMapOvr>
+</p:notes>
+</file>
+
+<file path=ppt/notesSlides/notesSlide3.xml><?xml version="1.0" encoding="utf-8"?>
+<p:notes xmlns:a="http://schemas.openxmlformats.org/drawingml/2006/main" xmlns:r="http://schemas.openxmlformats.org/officeDocument/2006/relationships" xmlns:p="http://schemas.openxmlformats.org/presentationml/2006/main">
+  <p:cSld>
+    <p:spTree>
+      <p:nvGrpSpPr>
+        <p:cNvPr id="1" name=""/>
+        <p:cNvGrpSpPr/>
+        <p:nvPr/>
+      </p:nvGrpSpPr>
+      <p:grpSpPr>
+        <a:xfrm>
+          <a:off x="0" y="0"/>
+          <a:ext cx="0" cy="0"/>
+          <a:chOff x="0" y="0"/>
+          <a:chExt cx="0" cy="0"/>
+        </a:xfrm>
+      </p:grpSpPr>
+      <p:sp>
+        <p:nvSpPr>
+          <p:cNvPr id="2" name="Slide Image Placeholder 1"/>
+          <p:cNvSpPr>
+            <a:spLocks noGrp="1" noRot="1" noChangeAspect="1"/>
+          </p:cNvSpPr>
+          <p:nvPr>
+            <p:ph type="sldImg"/>
+          </p:nvPr>
+        </p:nvSpPr>
+        <p:spPr>
+          <a:xfrm>
+            <a:off x="685800" y="1143000"/>
+            <a:ext cx="5486400" cy="3086100"/>
+          </a:xfrm>
+        </p:spPr>
+      </p:sp>
+      <p:sp>
+        <p:nvSpPr>
+          <p:cNvPr id="3" name="Notes Placeholder 2"/>
+          <p:cNvSpPr>
+            <a:spLocks noGrp="1"/>
+          </p:cNvSpPr>
+          <p:nvPr>
+            <p:ph type="body" idx="1"/>
+          </p:nvPr>
+        </p:nvSpPr>
+        <p:spPr/>
+        <p:txBody>
+          <a:bodyPr/>
+          <a:lstStyle/>
+          <a:p>
+            <a:endParaRPr lang="en-US" dirty="0"/>
+          </a:p>
+        </p:txBody>
+      </p:sp>
+      <p:sp>
+        <p:nvSpPr>
+          <p:cNvPr id="4" name="Slide Number Placeholder 3"/>
+          <p:cNvSpPr>
+            <a:spLocks noGrp="1"/>
+          </p:cNvSpPr>
+          <p:nvPr>
+            <p:ph type="sldNum" sz="quarter" idx="5"/>
+          </p:nvPr>
+        </p:nvSpPr>
+        <p:spPr/>
+        <p:txBody>
+          <a:bodyPr/>
+          <a:lstStyle/>
+          <a:p>
+            <a:fld id="{AF03FDA0-56B3-1C4A-BA3B-AB73F7CB5911}" type="slidenum">
+              <a:rPr lang="en-US" smtClean="0"/>
+              <a:t>3</a:t>
+            </a:fld>
+            <a:endParaRPr lang="en-US"/>
+          </a:p>
+        </p:txBody>
+      </p:sp>
+    </p:spTree>
+    <p:extLst>
+      <p:ext uri="{BB962C8B-B14F-4D97-AF65-F5344CB8AC3E}">
+        <p14:creationId xmlns:p14="http://schemas.microsoft.com/office/powerpoint/2010/main" val="225579100"/>
       </p:ext>
     </p:extLst>
   </p:cSld>
@@ -718,35 +819,35 @@
               <a:buNone/>
               <a:defRPr sz="2400"/>
             </a:lvl1pPr>
-            <a:lvl2pPr marL="457200" indent="0" algn="ctr">
+            <a:lvl2pPr marL="457206" indent="0" algn="ctr">
               <a:buNone/>
               <a:defRPr sz="2000"/>
             </a:lvl2pPr>
-            <a:lvl3pPr marL="914400" indent="0" algn="ctr">
+            <a:lvl3pPr marL="914411" indent="0" algn="ctr">
               <a:buNone/>
               <a:defRPr sz="1800"/>
             </a:lvl3pPr>
-            <a:lvl4pPr marL="1371600" indent="0" algn="ctr">
+            <a:lvl4pPr marL="1371617" indent="0" algn="ctr">
               <a:buNone/>
               <a:defRPr sz="1600"/>
             </a:lvl4pPr>
-            <a:lvl5pPr marL="1828800" indent="0" algn="ctr">
+            <a:lvl5pPr marL="1828823" indent="0" algn="ctr">
               <a:buNone/>
               <a:defRPr sz="1600"/>
             </a:lvl5pPr>
-            <a:lvl6pPr marL="2286000" indent="0" algn="ctr">
+            <a:lvl6pPr marL="2286029" indent="0" algn="ctr">
               <a:buNone/>
               <a:defRPr sz="1600"/>
             </a:lvl6pPr>
-            <a:lvl7pPr marL="2743200" indent="0" algn="ctr">
+            <a:lvl7pPr marL="2743234" indent="0" algn="ctr">
               <a:buNone/>
               <a:defRPr sz="1600"/>
             </a:lvl7pPr>
-            <a:lvl8pPr marL="3200400" indent="0" algn="ctr">
+            <a:lvl8pPr marL="3200440" indent="0" algn="ctr">
               <a:buNone/>
               <a:defRPr sz="1600"/>
             </a:lvl8pPr>
-            <a:lvl9pPr marL="3657600" indent="0" algn="ctr">
+            <a:lvl9pPr marL="3657646" indent="0" algn="ctr">
               <a:buNone/>
               <a:defRPr sz="1600"/>
             </a:lvl9pPr>
@@ -1088,7 +1189,7 @@
         </p:nvSpPr>
         <p:spPr>
           <a:xfrm>
-            <a:off x="8724900" y="365125"/>
+            <a:off x="8724899" y="365125"/>
             <a:ext cx="2628900" cy="5811838"/>
           </a:xfrm>
         </p:spPr>
@@ -1121,7 +1222,7 @@
         </p:nvSpPr>
         <p:spPr>
           <a:xfrm>
-            <a:off x="838200" y="365125"/>
+            <a:off x="838199" y="365125"/>
             <a:ext cx="7734300" cy="5811838"/>
           </a:xfrm>
         </p:spPr>
@@ -1494,7 +1595,7 @@
         </p:nvSpPr>
         <p:spPr>
           <a:xfrm>
-            <a:off x="831850" y="1709738"/>
+            <a:off x="831852" y="1709738"/>
             <a:ext cx="10515600" cy="2852737"/>
           </a:xfrm>
         </p:spPr>
@@ -1531,7 +1632,7 @@
         </p:nvSpPr>
         <p:spPr>
           <a:xfrm>
-            <a:off x="831850" y="4589463"/>
+            <a:off x="831852" y="4589464"/>
             <a:ext cx="10515600" cy="1500187"/>
           </a:xfrm>
         </p:spPr>
@@ -1548,7 +1649,7 @@
                 </a:solidFill>
               </a:defRPr>
             </a:lvl1pPr>
-            <a:lvl2pPr marL="457200" indent="0">
+            <a:lvl2pPr marL="457206" indent="0">
               <a:buNone/>
               <a:defRPr sz="2000">
                 <a:solidFill>
@@ -1558,7 +1659,7 @@
                 </a:solidFill>
               </a:defRPr>
             </a:lvl2pPr>
-            <a:lvl3pPr marL="914400" indent="0">
+            <a:lvl3pPr marL="914411" indent="0">
               <a:buNone/>
               <a:defRPr sz="1800">
                 <a:solidFill>
@@ -1568,7 +1669,7 @@
                 </a:solidFill>
               </a:defRPr>
             </a:lvl3pPr>
-            <a:lvl4pPr marL="1371600" indent="0">
+            <a:lvl4pPr marL="1371617" indent="0">
               <a:buNone/>
               <a:defRPr sz="1600">
                 <a:solidFill>
@@ -1578,7 +1679,7 @@
                 </a:solidFill>
               </a:defRPr>
             </a:lvl4pPr>
-            <a:lvl5pPr marL="1828800" indent="0">
+            <a:lvl5pPr marL="1828823" indent="0">
               <a:buNone/>
               <a:defRPr sz="1600">
                 <a:solidFill>
@@ -1588,7 +1689,7 @@
                 </a:solidFill>
               </a:defRPr>
             </a:lvl5pPr>
-            <a:lvl6pPr marL="2286000" indent="0">
+            <a:lvl6pPr marL="2286029" indent="0">
               <a:buNone/>
               <a:defRPr sz="1600">
                 <a:solidFill>
@@ -1598,7 +1699,7 @@
                 </a:solidFill>
               </a:defRPr>
             </a:lvl6pPr>
-            <a:lvl7pPr marL="2743200" indent="0">
+            <a:lvl7pPr marL="2743234" indent="0">
               <a:buNone/>
               <a:defRPr sz="1600">
                 <a:solidFill>
@@ -1608,7 +1709,7 @@
                 </a:solidFill>
               </a:defRPr>
             </a:lvl7pPr>
-            <a:lvl8pPr marL="3200400" indent="0">
+            <a:lvl8pPr marL="3200440" indent="0">
               <a:buNone/>
               <a:defRPr sz="1600">
                 <a:solidFill>
@@ -1618,7 +1719,7 @@
                 </a:solidFill>
               </a:defRPr>
             </a:lvl8pPr>
-            <a:lvl9pPr marL="3657600" indent="0">
+            <a:lvl9pPr marL="3657646" indent="0">
               <a:buNone/>
               <a:defRPr sz="1600">
                 <a:solidFill>
@@ -1797,7 +1898,7 @@
         </p:nvSpPr>
         <p:spPr>
           <a:xfrm>
-            <a:off x="838200" y="1825625"/>
+            <a:off x="838201" y="1825625"/>
             <a:ext cx="5181600" cy="4351338"/>
           </a:xfrm>
         </p:spPr>
@@ -1859,7 +1960,7 @@
         </p:nvSpPr>
         <p:spPr>
           <a:xfrm>
-            <a:off x="6172200" y="1825625"/>
+            <a:off x="6172201" y="1825625"/>
             <a:ext cx="5181600" cy="4351338"/>
           </a:xfrm>
         </p:spPr>
@@ -2034,7 +2135,7 @@
         </p:nvSpPr>
         <p:spPr>
           <a:xfrm>
-            <a:off x="839788" y="365125"/>
+            <a:off x="839789" y="365125"/>
             <a:ext cx="10515600" cy="1325563"/>
           </a:xfrm>
         </p:spPr>
@@ -2067,7 +2168,7 @@
         </p:nvSpPr>
         <p:spPr>
           <a:xfrm>
-            <a:off x="839788" y="1681163"/>
+            <a:off x="839789" y="1681163"/>
             <a:ext cx="5157787" cy="823912"/>
           </a:xfrm>
         </p:spPr>
@@ -2078,35 +2179,35 @@
               <a:buNone/>
               <a:defRPr sz="2400" b="1"/>
             </a:lvl1pPr>
-            <a:lvl2pPr marL="457200" indent="0">
+            <a:lvl2pPr marL="457206" indent="0">
               <a:buNone/>
               <a:defRPr sz="2000" b="1"/>
             </a:lvl2pPr>
-            <a:lvl3pPr marL="914400" indent="0">
+            <a:lvl3pPr marL="914411" indent="0">
               <a:buNone/>
               <a:defRPr sz="1800" b="1"/>
             </a:lvl3pPr>
-            <a:lvl4pPr marL="1371600" indent="0">
+            <a:lvl4pPr marL="1371617" indent="0">
               <a:buNone/>
               <a:defRPr sz="1600" b="1"/>
             </a:lvl4pPr>
-            <a:lvl5pPr marL="1828800" indent="0">
+            <a:lvl5pPr marL="1828823" indent="0">
               <a:buNone/>
               <a:defRPr sz="1600" b="1"/>
             </a:lvl5pPr>
-            <a:lvl6pPr marL="2286000" indent="0">
+            <a:lvl6pPr marL="2286029" indent="0">
               <a:buNone/>
               <a:defRPr sz="1600" b="1"/>
             </a:lvl6pPr>
-            <a:lvl7pPr marL="2743200" indent="0">
+            <a:lvl7pPr marL="2743234" indent="0">
               <a:buNone/>
               <a:defRPr sz="1600" b="1"/>
             </a:lvl7pPr>
-            <a:lvl8pPr marL="3200400" indent="0">
+            <a:lvl8pPr marL="3200440" indent="0">
               <a:buNone/>
               <a:defRPr sz="1600" b="1"/>
             </a:lvl8pPr>
-            <a:lvl9pPr marL="3657600" indent="0">
+            <a:lvl9pPr marL="3657646" indent="0">
               <a:buNone/>
               <a:defRPr sz="1600" b="1"/>
             </a:lvl9pPr>
@@ -2138,7 +2239,7 @@
         </p:nvSpPr>
         <p:spPr>
           <a:xfrm>
-            <a:off x="839788" y="2505075"/>
+            <a:off x="839789" y="2505076"/>
             <a:ext cx="5157787" cy="3684588"/>
           </a:xfrm>
         </p:spPr>
@@ -2200,7 +2301,7 @@
         </p:nvSpPr>
         <p:spPr>
           <a:xfrm>
-            <a:off x="6172200" y="1681163"/>
+            <a:off x="6172202" y="1681163"/>
             <a:ext cx="5183188" cy="823912"/>
           </a:xfrm>
         </p:spPr>
@@ -2211,35 +2312,35 @@
               <a:buNone/>
               <a:defRPr sz="2400" b="1"/>
             </a:lvl1pPr>
-            <a:lvl2pPr marL="457200" indent="0">
+            <a:lvl2pPr marL="457206" indent="0">
               <a:buNone/>
               <a:defRPr sz="2000" b="1"/>
             </a:lvl2pPr>
-            <a:lvl3pPr marL="914400" indent="0">
+            <a:lvl3pPr marL="914411" indent="0">
               <a:buNone/>
               <a:defRPr sz="1800" b="1"/>
             </a:lvl3pPr>
-            <a:lvl4pPr marL="1371600" indent="0">
+            <a:lvl4pPr marL="1371617" indent="0">
               <a:buNone/>
               <a:defRPr sz="1600" b="1"/>
             </a:lvl4pPr>
-            <a:lvl5pPr marL="1828800" indent="0">
+            <a:lvl5pPr marL="1828823" indent="0">
               <a:buNone/>
               <a:defRPr sz="1600" b="1"/>
             </a:lvl5pPr>
-            <a:lvl6pPr marL="2286000" indent="0">
+            <a:lvl6pPr marL="2286029" indent="0">
               <a:buNone/>
               <a:defRPr sz="1600" b="1"/>
             </a:lvl6pPr>
-            <a:lvl7pPr marL="2743200" indent="0">
+            <a:lvl7pPr marL="2743234" indent="0">
               <a:buNone/>
               <a:defRPr sz="1600" b="1"/>
             </a:lvl7pPr>
-            <a:lvl8pPr marL="3200400" indent="0">
+            <a:lvl8pPr marL="3200440" indent="0">
               <a:buNone/>
               <a:defRPr sz="1600" b="1"/>
             </a:lvl8pPr>
-            <a:lvl9pPr marL="3657600" indent="0">
+            <a:lvl9pPr marL="3657646" indent="0">
               <a:buNone/>
               <a:defRPr sz="1600" b="1"/>
             </a:lvl9pPr>
@@ -2271,7 +2372,7 @@
         </p:nvSpPr>
         <p:spPr>
           <a:xfrm>
-            <a:off x="6172200" y="2505075"/>
+            <a:off x="6172202" y="2505076"/>
             <a:ext cx="5183188" cy="3684588"/>
           </a:xfrm>
         </p:spPr>
@@ -2700,8 +2801,8 @@
         </p:nvSpPr>
         <p:spPr>
           <a:xfrm>
-            <a:off x="839788" y="457200"/>
-            <a:ext cx="3932237" cy="1600200"/>
+            <a:off x="839790" y="457200"/>
+            <a:ext cx="3932236" cy="1600200"/>
           </a:xfrm>
         </p:spPr>
         <p:txBody>
@@ -2738,7 +2839,7 @@
         <p:spPr>
           <a:xfrm>
             <a:off x="5183188" y="987425"/>
-            <a:ext cx="6172200" cy="4873625"/>
+            <a:ext cx="6172201" cy="4873625"/>
           </a:xfrm>
         </p:spPr>
         <p:txBody>
@@ -2827,8 +2928,8 @@
         </p:nvSpPr>
         <p:spPr>
           <a:xfrm>
-            <a:off x="839788" y="2057400"/>
-            <a:ext cx="3932237" cy="3811588"/>
+            <a:off x="839790" y="2057400"/>
+            <a:ext cx="3932236" cy="3811588"/>
           </a:xfrm>
         </p:spPr>
         <p:txBody>
@@ -2838,35 +2939,35 @@
               <a:buNone/>
               <a:defRPr sz="1600"/>
             </a:lvl1pPr>
-            <a:lvl2pPr marL="457200" indent="0">
+            <a:lvl2pPr marL="457206" indent="0">
               <a:buNone/>
               <a:defRPr sz="1400"/>
             </a:lvl2pPr>
-            <a:lvl3pPr marL="914400" indent="0">
+            <a:lvl3pPr marL="914411" indent="0">
               <a:buNone/>
               <a:defRPr sz="1200"/>
             </a:lvl3pPr>
-            <a:lvl4pPr marL="1371600" indent="0">
+            <a:lvl4pPr marL="1371617" indent="0">
               <a:buNone/>
               <a:defRPr sz="1000"/>
             </a:lvl4pPr>
-            <a:lvl5pPr marL="1828800" indent="0">
+            <a:lvl5pPr marL="1828823" indent="0">
               <a:buNone/>
               <a:defRPr sz="1000"/>
             </a:lvl5pPr>
-            <a:lvl6pPr marL="2286000" indent="0">
+            <a:lvl6pPr marL="2286029" indent="0">
               <a:buNone/>
               <a:defRPr sz="1000"/>
             </a:lvl6pPr>
-            <a:lvl7pPr marL="2743200" indent="0">
+            <a:lvl7pPr marL="2743234" indent="0">
               <a:buNone/>
               <a:defRPr sz="1000"/>
             </a:lvl7pPr>
-            <a:lvl8pPr marL="3200400" indent="0">
+            <a:lvl8pPr marL="3200440" indent="0">
               <a:buNone/>
               <a:defRPr sz="1000"/>
             </a:lvl8pPr>
-            <a:lvl9pPr marL="3657600" indent="0">
+            <a:lvl9pPr marL="3657646" indent="0">
               <a:buNone/>
               <a:defRPr sz="1000"/>
             </a:lvl9pPr>
@@ -3011,8 +3112,8 @@
         </p:nvSpPr>
         <p:spPr>
           <a:xfrm>
-            <a:off x="839788" y="457200"/>
-            <a:ext cx="3932237" cy="1600200"/>
+            <a:off x="839790" y="457200"/>
+            <a:ext cx="3932236" cy="1600200"/>
           </a:xfrm>
         </p:spPr>
         <p:txBody>
@@ -3049,7 +3150,7 @@
         <p:spPr>
           <a:xfrm>
             <a:off x="5183188" y="987425"/>
-            <a:ext cx="6172200" cy="4873625"/>
+            <a:ext cx="6172201" cy="4873625"/>
           </a:xfrm>
         </p:spPr>
         <p:txBody>
@@ -3059,35 +3160,35 @@
               <a:buNone/>
               <a:defRPr sz="3200"/>
             </a:lvl1pPr>
-            <a:lvl2pPr marL="457200" indent="0">
+            <a:lvl2pPr marL="457206" indent="0">
               <a:buNone/>
               <a:defRPr sz="2800"/>
             </a:lvl2pPr>
-            <a:lvl3pPr marL="914400" indent="0">
+            <a:lvl3pPr marL="914411" indent="0">
               <a:buNone/>
               <a:defRPr sz="2400"/>
             </a:lvl3pPr>
-            <a:lvl4pPr marL="1371600" indent="0">
+            <a:lvl4pPr marL="1371617" indent="0">
               <a:buNone/>
               <a:defRPr sz="2000"/>
             </a:lvl4pPr>
-            <a:lvl5pPr marL="1828800" indent="0">
+            <a:lvl5pPr marL="1828823" indent="0">
               <a:buNone/>
               <a:defRPr sz="2000"/>
             </a:lvl5pPr>
-            <a:lvl6pPr marL="2286000" indent="0">
+            <a:lvl6pPr marL="2286029" indent="0">
               <a:buNone/>
               <a:defRPr sz="2000"/>
             </a:lvl6pPr>
-            <a:lvl7pPr marL="2743200" indent="0">
+            <a:lvl7pPr marL="2743234" indent="0">
               <a:buNone/>
               <a:defRPr sz="2000"/>
             </a:lvl7pPr>
-            <a:lvl8pPr marL="3200400" indent="0">
+            <a:lvl8pPr marL="3200440" indent="0">
               <a:buNone/>
               <a:defRPr sz="2000"/>
             </a:lvl8pPr>
-            <a:lvl9pPr marL="3657600" indent="0">
+            <a:lvl9pPr marL="3657646" indent="0">
               <a:buNone/>
               <a:defRPr sz="2000"/>
             </a:lvl9pPr>
@@ -3115,8 +3216,8 @@
         </p:nvSpPr>
         <p:spPr>
           <a:xfrm>
-            <a:off x="839788" y="2057400"/>
-            <a:ext cx="3932237" cy="3811588"/>
+            <a:off x="839790" y="2057400"/>
+            <a:ext cx="3932236" cy="3811588"/>
           </a:xfrm>
         </p:spPr>
         <p:txBody>
@@ -3126,35 +3227,35 @@
               <a:buNone/>
               <a:defRPr sz="1600"/>
             </a:lvl1pPr>
-            <a:lvl2pPr marL="457200" indent="0">
+            <a:lvl2pPr marL="457206" indent="0">
               <a:buNone/>
               <a:defRPr sz="1400"/>
             </a:lvl2pPr>
-            <a:lvl3pPr marL="914400" indent="0">
+            <a:lvl3pPr marL="914411" indent="0">
               <a:buNone/>
               <a:defRPr sz="1200"/>
             </a:lvl3pPr>
-            <a:lvl4pPr marL="1371600" indent="0">
+            <a:lvl4pPr marL="1371617" indent="0">
               <a:buNone/>
               <a:defRPr sz="1000"/>
             </a:lvl4pPr>
-            <a:lvl5pPr marL="1828800" indent="0">
+            <a:lvl5pPr marL="1828823" indent="0">
               <a:buNone/>
               <a:defRPr sz="1000"/>
             </a:lvl5pPr>
-            <a:lvl6pPr marL="2286000" indent="0">
+            <a:lvl6pPr marL="2286029" indent="0">
               <a:buNone/>
               <a:defRPr sz="1000"/>
             </a:lvl6pPr>
-            <a:lvl7pPr marL="2743200" indent="0">
+            <a:lvl7pPr marL="2743234" indent="0">
               <a:buNone/>
               <a:defRPr sz="1000"/>
             </a:lvl7pPr>
-            <a:lvl8pPr marL="3200400" indent="0">
+            <a:lvl8pPr marL="3200440" indent="0">
               <a:buNone/>
               <a:defRPr sz="1000"/>
             </a:lvl8pPr>
-            <a:lvl9pPr marL="3657600" indent="0">
+            <a:lvl9pPr marL="3657646" indent="0">
               <a:buNone/>
               <a:defRPr sz="1000"/>
             </a:lvl9pPr>
@@ -3304,7 +3405,7 @@
         </p:nvSpPr>
         <p:spPr>
           <a:xfrm>
-            <a:off x="838200" y="365125"/>
+            <a:off x="838202" y="365125"/>
             <a:ext cx="10515600" cy="1325563"/>
           </a:xfrm>
           <a:prstGeom prst="rect">
@@ -3342,7 +3443,7 @@
         </p:nvSpPr>
         <p:spPr>
           <a:xfrm>
-            <a:off x="838200" y="1825625"/>
+            <a:off x="838202" y="1825625"/>
             <a:ext cx="10515600" cy="4351338"/>
           </a:xfrm>
           <a:prstGeom prst="rect">
@@ -3409,7 +3510,7 @@
         </p:nvSpPr>
         <p:spPr>
           <a:xfrm>
-            <a:off x="838200" y="6356350"/>
+            <a:off x="838201" y="6356351"/>
             <a:ext cx="2743200" cy="365125"/>
           </a:xfrm>
           <a:prstGeom prst="rect">
@@ -3456,7 +3557,7 @@
         </p:nvSpPr>
         <p:spPr>
           <a:xfrm>
-            <a:off x="4038600" y="6356350"/>
+            <a:off x="4038602" y="6356351"/>
             <a:ext cx="4114800" cy="365125"/>
           </a:xfrm>
           <a:prstGeom prst="rect">
@@ -3499,7 +3600,7 @@
         </p:nvSpPr>
         <p:spPr>
           <a:xfrm>
-            <a:off x="8610600" y="6356350"/>
+            <a:off x="8610601" y="6356351"/>
             <a:ext cx="2743200" cy="365125"/>
           </a:xfrm>
           <a:prstGeom prst="rect">
@@ -3551,7 +3652,7 @@
   </p:sldLayoutIdLst>
   <p:txStyles>
     <p:titleStyle>
-      <a:lvl1pPr algn="l" defTabSz="914400" rtl="0" eaLnBrk="1" latinLnBrk="0" hangingPunct="1">
+      <a:lvl1pPr algn="l" defTabSz="914411" rtl="0" eaLnBrk="1" latinLnBrk="0" hangingPunct="1">
         <a:lnSpc>
           <a:spcPct val="90000"/>
         </a:lnSpc>
@@ -3570,7 +3671,7 @@
       </a:lvl1pPr>
     </p:titleStyle>
     <p:bodyStyle>
-      <a:lvl1pPr marL="228600" indent="-228600" algn="l" defTabSz="914400" rtl="0" eaLnBrk="1" latinLnBrk="0" hangingPunct="1">
+      <a:lvl1pPr marL="228603" indent="-228603" algn="l" defTabSz="914411" rtl="0" eaLnBrk="1" latinLnBrk="0" hangingPunct="1">
         <a:lnSpc>
           <a:spcPct val="90000"/>
         </a:lnSpc>
@@ -3588,7 +3689,7 @@
           <a:cs typeface="+mn-cs"/>
         </a:defRPr>
       </a:lvl1pPr>
-      <a:lvl2pPr marL="685800" indent="-228600" algn="l" defTabSz="914400" rtl="0" eaLnBrk="1" latinLnBrk="0" hangingPunct="1">
+      <a:lvl2pPr marL="685808" indent="-228603" algn="l" defTabSz="914411" rtl="0" eaLnBrk="1" latinLnBrk="0" hangingPunct="1">
         <a:lnSpc>
           <a:spcPct val="90000"/>
         </a:lnSpc>
@@ -3606,7 +3707,7 @@
           <a:cs typeface="+mn-cs"/>
         </a:defRPr>
       </a:lvl2pPr>
-      <a:lvl3pPr marL="1143000" indent="-228600" algn="l" defTabSz="914400" rtl="0" eaLnBrk="1" latinLnBrk="0" hangingPunct="1">
+      <a:lvl3pPr marL="1143014" indent="-228603" algn="l" defTabSz="914411" rtl="0" eaLnBrk="1" latinLnBrk="0" hangingPunct="1">
         <a:lnSpc>
           <a:spcPct val="90000"/>
         </a:lnSpc>
@@ -3624,7 +3725,7 @@
           <a:cs typeface="+mn-cs"/>
         </a:defRPr>
       </a:lvl3pPr>
-      <a:lvl4pPr marL="1600200" indent="-228600" algn="l" defTabSz="914400" rtl="0" eaLnBrk="1" latinLnBrk="0" hangingPunct="1">
+      <a:lvl4pPr marL="1600220" indent="-228603" algn="l" defTabSz="914411" rtl="0" eaLnBrk="1" latinLnBrk="0" hangingPunct="1">
         <a:lnSpc>
           <a:spcPct val="90000"/>
         </a:lnSpc>
@@ -3642,7 +3743,7 @@
           <a:cs typeface="+mn-cs"/>
         </a:defRPr>
       </a:lvl4pPr>
-      <a:lvl5pPr marL="2057400" indent="-228600" algn="l" defTabSz="914400" rtl="0" eaLnBrk="1" latinLnBrk="0" hangingPunct="1">
+      <a:lvl5pPr marL="2057426" indent="-228603" algn="l" defTabSz="914411" rtl="0" eaLnBrk="1" latinLnBrk="0" hangingPunct="1">
         <a:lnSpc>
           <a:spcPct val="90000"/>
         </a:lnSpc>
@@ -3660,7 +3761,7 @@
           <a:cs typeface="+mn-cs"/>
         </a:defRPr>
       </a:lvl5pPr>
-      <a:lvl6pPr marL="2514600" indent="-228600" algn="l" defTabSz="914400" rtl="0" eaLnBrk="1" latinLnBrk="0" hangingPunct="1">
+      <a:lvl6pPr marL="2514632" indent="-228603" algn="l" defTabSz="914411" rtl="0" eaLnBrk="1" latinLnBrk="0" hangingPunct="1">
         <a:lnSpc>
           <a:spcPct val="90000"/>
         </a:lnSpc>
@@ -3678,7 +3779,7 @@
           <a:cs typeface="+mn-cs"/>
         </a:defRPr>
       </a:lvl6pPr>
-      <a:lvl7pPr marL="2971800" indent="-228600" algn="l" defTabSz="914400" rtl="0" eaLnBrk="1" latinLnBrk="0" hangingPunct="1">
+      <a:lvl7pPr marL="2971837" indent="-228603" algn="l" defTabSz="914411" rtl="0" eaLnBrk="1" latinLnBrk="0" hangingPunct="1">
         <a:lnSpc>
           <a:spcPct val="90000"/>
         </a:lnSpc>
@@ -3696,7 +3797,7 @@
           <a:cs typeface="+mn-cs"/>
         </a:defRPr>
       </a:lvl7pPr>
-      <a:lvl8pPr marL="3429000" indent="-228600" algn="l" defTabSz="914400" rtl="0" eaLnBrk="1" latinLnBrk="0" hangingPunct="1">
+      <a:lvl8pPr marL="3429043" indent="-228603" algn="l" defTabSz="914411" rtl="0" eaLnBrk="1" latinLnBrk="0" hangingPunct="1">
         <a:lnSpc>
           <a:spcPct val="90000"/>
         </a:lnSpc>
@@ -3714,7 +3815,7 @@
           <a:cs typeface="+mn-cs"/>
         </a:defRPr>
       </a:lvl8pPr>
-      <a:lvl9pPr marL="3886200" indent="-228600" algn="l" defTabSz="914400" rtl="0" eaLnBrk="1" latinLnBrk="0" hangingPunct="1">
+      <a:lvl9pPr marL="3886248" indent="-228603" algn="l" defTabSz="914411" rtl="0" eaLnBrk="1" latinLnBrk="0" hangingPunct="1">
         <a:lnSpc>
           <a:spcPct val="90000"/>
         </a:lnSpc>
@@ -3737,7 +3838,7 @@
       <a:defPPr>
         <a:defRPr lang="en-US"/>
       </a:defPPr>
-      <a:lvl1pPr marL="0" algn="l" defTabSz="914400" rtl="0" eaLnBrk="1" latinLnBrk="0" hangingPunct="1">
+      <a:lvl1pPr marL="0" algn="l" defTabSz="914411" rtl="0" eaLnBrk="1" latinLnBrk="0" hangingPunct="1">
         <a:defRPr sz="1800" kern="1200">
           <a:solidFill>
             <a:schemeClr val="tx1"/>
@@ -3747,7 +3848,7 @@
           <a:cs typeface="+mn-cs"/>
         </a:defRPr>
       </a:lvl1pPr>
-      <a:lvl2pPr marL="457200" algn="l" defTabSz="914400" rtl="0" eaLnBrk="1" latinLnBrk="0" hangingPunct="1">
+      <a:lvl2pPr marL="457206" algn="l" defTabSz="914411" rtl="0" eaLnBrk="1" latinLnBrk="0" hangingPunct="1">
         <a:defRPr sz="1800" kern="1200">
           <a:solidFill>
             <a:schemeClr val="tx1"/>
@@ -3757,7 +3858,7 @@
           <a:cs typeface="+mn-cs"/>
         </a:defRPr>
       </a:lvl2pPr>
-      <a:lvl3pPr marL="914400" algn="l" defTabSz="914400" rtl="0" eaLnBrk="1" latinLnBrk="0" hangingPunct="1">
+      <a:lvl3pPr marL="914411" algn="l" defTabSz="914411" rtl="0" eaLnBrk="1" latinLnBrk="0" hangingPunct="1">
         <a:defRPr sz="1800" kern="1200">
           <a:solidFill>
             <a:schemeClr val="tx1"/>
@@ -3767,7 +3868,7 @@
           <a:cs typeface="+mn-cs"/>
         </a:defRPr>
       </a:lvl3pPr>
-      <a:lvl4pPr marL="1371600" algn="l" defTabSz="914400" rtl="0" eaLnBrk="1" latinLnBrk="0" hangingPunct="1">
+      <a:lvl4pPr marL="1371617" algn="l" defTabSz="914411" rtl="0" eaLnBrk="1" latinLnBrk="0" hangingPunct="1">
         <a:defRPr sz="1800" kern="1200">
           <a:solidFill>
             <a:schemeClr val="tx1"/>
@@ -3777,7 +3878,7 @@
           <a:cs typeface="+mn-cs"/>
         </a:defRPr>
       </a:lvl4pPr>
-      <a:lvl5pPr marL="1828800" algn="l" defTabSz="914400" rtl="0" eaLnBrk="1" latinLnBrk="0" hangingPunct="1">
+      <a:lvl5pPr marL="1828823" algn="l" defTabSz="914411" rtl="0" eaLnBrk="1" latinLnBrk="0" hangingPunct="1">
         <a:defRPr sz="1800" kern="1200">
           <a:solidFill>
             <a:schemeClr val="tx1"/>
@@ -3787,7 +3888,7 @@
           <a:cs typeface="+mn-cs"/>
         </a:defRPr>
       </a:lvl5pPr>
-      <a:lvl6pPr marL="2286000" algn="l" defTabSz="914400" rtl="0" eaLnBrk="1" latinLnBrk="0" hangingPunct="1">
+      <a:lvl6pPr marL="2286029" algn="l" defTabSz="914411" rtl="0" eaLnBrk="1" latinLnBrk="0" hangingPunct="1">
         <a:defRPr sz="1800" kern="1200">
           <a:solidFill>
             <a:schemeClr val="tx1"/>
@@ -3797,7 +3898,7 @@
           <a:cs typeface="+mn-cs"/>
         </a:defRPr>
       </a:lvl6pPr>
-      <a:lvl7pPr marL="2743200" algn="l" defTabSz="914400" rtl="0" eaLnBrk="1" latinLnBrk="0" hangingPunct="1">
+      <a:lvl7pPr marL="2743234" algn="l" defTabSz="914411" rtl="0" eaLnBrk="1" latinLnBrk="0" hangingPunct="1">
         <a:defRPr sz="1800" kern="1200">
           <a:solidFill>
             <a:schemeClr val="tx1"/>
@@ -3807,7 +3908,7 @@
           <a:cs typeface="+mn-cs"/>
         </a:defRPr>
       </a:lvl7pPr>
-      <a:lvl8pPr marL="3200400" algn="l" defTabSz="914400" rtl="0" eaLnBrk="1" latinLnBrk="0" hangingPunct="1">
+      <a:lvl8pPr marL="3200440" algn="l" defTabSz="914411" rtl="0" eaLnBrk="1" latinLnBrk="0" hangingPunct="1">
         <a:defRPr sz="1800" kern="1200">
           <a:solidFill>
             <a:schemeClr val="tx1"/>
@@ -3817,7 +3918,7 @@
           <a:cs typeface="+mn-cs"/>
         </a:defRPr>
       </a:lvl8pPr>
-      <a:lvl9pPr marL="3657600" algn="l" defTabSz="914400" rtl="0" eaLnBrk="1" latinLnBrk="0" hangingPunct="1">
+      <a:lvl9pPr marL="3657646" algn="l" defTabSz="914411" rtl="0" eaLnBrk="1" latinLnBrk="0" hangingPunct="1">
         <a:defRPr sz="1800" kern="1200">
           <a:solidFill>
             <a:schemeClr val="tx1"/>
@@ -5532,7 +5633,12 @@
             </a:fontRef>
           </p:style>
           <p:txBody>
-            <a:bodyPr rtlCol="0" anchor="ctr"/>
+            <a:bodyPr rot="0" spcFirstLastPara="0" vertOverflow="overflow" horzOverflow="overflow" vert="horz" wrap="square" lIns="91440" tIns="45720" rIns="91440" bIns="45720" numCol="1" spcCol="0" rtlCol="0" fromWordArt="0" anchor="ctr" anchorCtr="0" forceAA="0" compatLnSpc="1">
+              <a:prstTxWarp prst="textNoShape">
+                <a:avLst/>
+              </a:prstTxWarp>
+              <a:noAutofit/>
+            </a:bodyPr>
             <a:lstStyle/>
             <a:p>
               <a:pPr algn="ctr"/>
@@ -5665,7 +5771,12 @@
             </a:fontRef>
           </p:style>
           <p:txBody>
-            <a:bodyPr rtlCol="0" anchor="ctr"/>
+            <a:bodyPr rot="0" spcFirstLastPara="0" vertOverflow="overflow" horzOverflow="overflow" vert="horz" wrap="square" lIns="91440" tIns="45720" rIns="91440" bIns="45720" numCol="1" spcCol="0" rtlCol="0" fromWordArt="0" anchor="ctr" anchorCtr="0" forceAA="0" compatLnSpc="1">
+              <a:prstTxWarp prst="textNoShape">
+                <a:avLst/>
+              </a:prstTxWarp>
+              <a:noAutofit/>
+            </a:bodyPr>
             <a:lstStyle/>
             <a:p>
               <a:pPr algn="ctr"/>
@@ -5827,7 +5938,12 @@
             </a:fontRef>
           </p:style>
           <p:txBody>
-            <a:bodyPr rtlCol="0" anchor="ctr"/>
+            <a:bodyPr rot="0" spcFirstLastPara="0" vertOverflow="overflow" horzOverflow="overflow" vert="horz" wrap="square" lIns="91440" tIns="45720" rIns="91440" bIns="45720" numCol="1" spcCol="0" rtlCol="0" fromWordArt="0" anchor="ctr" anchorCtr="0" forceAA="0" compatLnSpc="1">
+              <a:prstTxWarp prst="textNoShape">
+                <a:avLst/>
+              </a:prstTxWarp>
+              <a:noAutofit/>
+            </a:bodyPr>
             <a:lstStyle/>
             <a:p>
               <a:pPr algn="ctr"/>
@@ -5929,7 +6045,12 @@
             </a:fontRef>
           </p:style>
           <p:txBody>
-            <a:bodyPr rtlCol="0" anchor="ctr"/>
+            <a:bodyPr rot="0" spcFirstLastPara="0" vertOverflow="overflow" horzOverflow="overflow" vert="horz" wrap="square" lIns="91440" tIns="45720" rIns="91440" bIns="45720" numCol="1" spcCol="0" rtlCol="0" fromWordArt="0" anchor="ctr" anchorCtr="0" forceAA="0" compatLnSpc="1">
+              <a:prstTxWarp prst="textNoShape">
+                <a:avLst/>
+              </a:prstTxWarp>
+              <a:noAutofit/>
+            </a:bodyPr>
             <a:lstStyle/>
             <a:p>
               <a:pPr algn="ctr"/>
@@ -6049,14 +6170,722 @@
         </p:blipFill>
         <p:spPr>
           <a:xfrm>
-            <a:off x="10724214" y="4488348"/>
-            <a:ext cx="1404730" cy="794512"/>
+            <a:off x="11033784" y="4663440"/>
+            <a:ext cx="1095160" cy="619420"/>
           </a:xfrm>
           <a:prstGeom prst="rect">
             <a:avLst/>
           </a:prstGeom>
         </p:spPr>
       </p:pic>
+      <p:grpSp>
+        <p:nvGrpSpPr>
+          <p:cNvPr id="55" name="Group 54">
+            <a:extLst>
+              <a:ext uri="{FF2B5EF4-FFF2-40B4-BE49-F238E27FC236}">
+                <a16:creationId xmlns:a16="http://schemas.microsoft.com/office/drawing/2014/main" id="{D4F5DF0D-DB6D-AA4B-AD78-8CA9B894A257}"/>
+              </a:ext>
+            </a:extLst>
+          </p:cNvPr>
+          <p:cNvGrpSpPr>
+            <a:grpSpLocks noChangeAspect="1"/>
+          </p:cNvGrpSpPr>
+          <p:nvPr/>
+        </p:nvGrpSpPr>
+        <p:grpSpPr>
+          <a:xfrm>
+            <a:off x="11528308" y="5491088"/>
+            <a:ext cx="301752" cy="1390019"/>
+            <a:chOff x="8220890" y="692498"/>
+            <a:chExt cx="1097280" cy="5795388"/>
+          </a:xfrm>
+        </p:grpSpPr>
+        <p:sp>
+          <p:nvSpPr>
+            <p:cNvPr id="40" name="Rectangle 39">
+              <a:extLst>
+                <a:ext uri="{FF2B5EF4-FFF2-40B4-BE49-F238E27FC236}">
+                  <a16:creationId xmlns:a16="http://schemas.microsoft.com/office/drawing/2014/main" id="{7BA44B66-5DE7-664C-933D-FADD7F4B934C}"/>
+                </a:ext>
+              </a:extLst>
+            </p:cNvPr>
+            <p:cNvSpPr/>
+            <p:nvPr/>
+          </p:nvSpPr>
+          <p:spPr>
+            <a:xfrm>
+              <a:off x="8220890" y="2185851"/>
+              <a:ext cx="1097280" cy="4302035"/>
+            </a:xfrm>
+            <a:prstGeom prst="rect">
+              <a:avLst/>
+            </a:prstGeom>
+            <a:solidFill>
+              <a:srgbClr val="FFD671"/>
+            </a:solidFill>
+            <a:ln>
+              <a:noFill/>
+            </a:ln>
+          </p:spPr>
+          <p:style>
+            <a:lnRef idx="2">
+              <a:schemeClr val="accent1">
+                <a:shade val="50000"/>
+              </a:schemeClr>
+            </a:lnRef>
+            <a:fillRef idx="1">
+              <a:schemeClr val="accent1"/>
+            </a:fillRef>
+            <a:effectRef idx="0">
+              <a:schemeClr val="accent1"/>
+            </a:effectRef>
+            <a:fontRef idx="minor">
+              <a:schemeClr val="lt1"/>
+            </a:fontRef>
+          </p:style>
+          <p:txBody>
+            <a:bodyPr rtlCol="0" anchor="ctr"/>
+            <a:lstStyle/>
+            <a:p>
+              <a:pPr algn="ctr"/>
+              <a:endParaRPr lang="en-US" dirty="0"/>
+            </a:p>
+          </p:txBody>
+        </p:sp>
+        <p:sp>
+          <p:nvSpPr>
+            <p:cNvPr id="42" name="Oval 41">
+              <a:extLst>
+                <a:ext uri="{FF2B5EF4-FFF2-40B4-BE49-F238E27FC236}">
+                  <a16:creationId xmlns:a16="http://schemas.microsoft.com/office/drawing/2014/main" id="{539BC093-4305-CB4D-A91E-9376CCA614FC}"/>
+                </a:ext>
+              </a:extLst>
+            </p:cNvPr>
+            <p:cNvSpPr/>
+            <p:nvPr/>
+          </p:nvSpPr>
+          <p:spPr>
+            <a:xfrm>
+              <a:off x="8384683" y="1036589"/>
+              <a:ext cx="770713" cy="799630"/>
+            </a:xfrm>
+            <a:prstGeom prst="ellipse">
+              <a:avLst/>
+            </a:prstGeom>
+            <a:solidFill>
+              <a:srgbClr val="FF0601"/>
+            </a:solidFill>
+            <a:ln>
+              <a:noFill/>
+            </a:ln>
+          </p:spPr>
+          <p:style>
+            <a:lnRef idx="2">
+              <a:schemeClr val="accent1">
+                <a:shade val="50000"/>
+              </a:schemeClr>
+            </a:lnRef>
+            <a:fillRef idx="1">
+              <a:schemeClr val="accent1"/>
+            </a:fillRef>
+            <a:effectRef idx="0">
+              <a:schemeClr val="accent1"/>
+            </a:effectRef>
+            <a:fontRef idx="minor">
+              <a:schemeClr val="lt1"/>
+            </a:fontRef>
+          </p:style>
+          <p:txBody>
+            <a:bodyPr rtlCol="0" anchor="ctr"/>
+            <a:lstStyle/>
+            <a:p>
+              <a:pPr algn="ctr"/>
+              <a:endParaRPr lang="en-US"/>
+            </a:p>
+          </p:txBody>
+        </p:sp>
+        <p:sp>
+          <p:nvSpPr>
+            <p:cNvPr id="41" name="Rectangle 40">
+              <a:extLst>
+                <a:ext uri="{FF2B5EF4-FFF2-40B4-BE49-F238E27FC236}">
+                  <a16:creationId xmlns:a16="http://schemas.microsoft.com/office/drawing/2014/main" id="{FDFE1A0F-6FC3-664C-8D2C-21EBF86882E0}"/>
+                </a:ext>
+              </a:extLst>
+            </p:cNvPr>
+            <p:cNvSpPr/>
+            <p:nvPr/>
+          </p:nvSpPr>
+          <p:spPr>
+            <a:xfrm>
+              <a:off x="8384683" y="1436404"/>
+              <a:ext cx="770713" cy="749447"/>
+            </a:xfrm>
+            <a:prstGeom prst="rect">
+              <a:avLst/>
+            </a:prstGeom>
+            <a:gradFill flip="none" rotWithShape="1">
+              <a:gsLst>
+                <a:gs pos="68000">
+                  <a:srgbClr val="FFD671"/>
+                </a:gs>
+                <a:gs pos="100000">
+                  <a:srgbClr val="FF9870"/>
+                </a:gs>
+              </a:gsLst>
+              <a:lin ang="5400000" scaled="1"/>
+              <a:tileRect/>
+            </a:gradFill>
+            <a:ln>
+              <a:noFill/>
+            </a:ln>
+          </p:spPr>
+          <p:style>
+            <a:lnRef idx="2">
+              <a:schemeClr val="accent1">
+                <a:shade val="50000"/>
+              </a:schemeClr>
+            </a:lnRef>
+            <a:fillRef idx="1">
+              <a:schemeClr val="accent1"/>
+            </a:fillRef>
+            <a:effectRef idx="0">
+              <a:schemeClr val="accent1"/>
+            </a:effectRef>
+            <a:fontRef idx="minor">
+              <a:schemeClr val="lt1"/>
+            </a:fontRef>
+          </p:style>
+          <p:txBody>
+            <a:bodyPr rtlCol="0" anchor="ctr"/>
+            <a:lstStyle/>
+            <a:p>
+              <a:pPr algn="ctr"/>
+              <a:endParaRPr lang="en-US"/>
+            </a:p>
+          </p:txBody>
+        </p:sp>
+        <p:sp>
+          <p:nvSpPr>
+            <p:cNvPr id="43" name="Rectangle 42">
+              <a:extLst>
+                <a:ext uri="{FF2B5EF4-FFF2-40B4-BE49-F238E27FC236}">
+                  <a16:creationId xmlns:a16="http://schemas.microsoft.com/office/drawing/2014/main" id="{A94C41EC-43C5-B84F-9C73-C7E47912DFFE}"/>
+                </a:ext>
+              </a:extLst>
+            </p:cNvPr>
+            <p:cNvSpPr/>
+            <p:nvPr/>
+          </p:nvSpPr>
+          <p:spPr>
+            <a:xfrm>
+              <a:off x="8678599" y="868750"/>
+              <a:ext cx="182880" cy="182880"/>
+            </a:xfrm>
+            <a:prstGeom prst="rect">
+              <a:avLst/>
+            </a:prstGeom>
+            <a:solidFill>
+              <a:srgbClr val="FFD671"/>
+            </a:solidFill>
+            <a:ln>
+              <a:noFill/>
+            </a:ln>
+          </p:spPr>
+          <p:style>
+            <a:lnRef idx="2">
+              <a:schemeClr val="accent1">
+                <a:shade val="50000"/>
+              </a:schemeClr>
+            </a:lnRef>
+            <a:fillRef idx="1">
+              <a:schemeClr val="accent1"/>
+            </a:fillRef>
+            <a:effectRef idx="0">
+              <a:schemeClr val="accent1"/>
+            </a:effectRef>
+            <a:fontRef idx="minor">
+              <a:schemeClr val="lt1"/>
+            </a:fontRef>
+          </p:style>
+          <p:txBody>
+            <a:bodyPr rtlCol="0" anchor="ctr"/>
+            <a:lstStyle/>
+            <a:p>
+              <a:pPr algn="ctr"/>
+              <a:endParaRPr lang="en-US"/>
+            </a:p>
+          </p:txBody>
+        </p:sp>
+        <p:sp>
+          <p:nvSpPr>
+            <p:cNvPr id="44" name="Triangle 43">
+              <a:extLst>
+                <a:ext uri="{FF2B5EF4-FFF2-40B4-BE49-F238E27FC236}">
+                  <a16:creationId xmlns:a16="http://schemas.microsoft.com/office/drawing/2014/main" id="{63B1D3CC-31BD-564E-92B3-43C081799F6B}"/>
+                </a:ext>
+              </a:extLst>
+            </p:cNvPr>
+            <p:cNvSpPr/>
+            <p:nvPr/>
+          </p:nvSpPr>
+          <p:spPr>
+            <a:xfrm>
+              <a:off x="8678599" y="692498"/>
+              <a:ext cx="182880" cy="182880"/>
+            </a:xfrm>
+            <a:prstGeom prst="triangle">
+              <a:avLst/>
+            </a:prstGeom>
+            <a:solidFill>
+              <a:srgbClr val="FFD671"/>
+            </a:solidFill>
+            <a:ln>
+              <a:noFill/>
+            </a:ln>
+          </p:spPr>
+          <p:style>
+            <a:lnRef idx="2">
+              <a:schemeClr val="accent1">
+                <a:shade val="50000"/>
+              </a:schemeClr>
+            </a:lnRef>
+            <a:fillRef idx="1">
+              <a:schemeClr val="accent1"/>
+            </a:fillRef>
+            <a:effectRef idx="0">
+              <a:schemeClr val="accent1"/>
+            </a:effectRef>
+            <a:fontRef idx="minor">
+              <a:schemeClr val="lt1"/>
+            </a:fontRef>
+          </p:style>
+          <p:txBody>
+            <a:bodyPr rtlCol="0" anchor="ctr"/>
+            <a:lstStyle/>
+            <a:p>
+              <a:pPr algn="ctr"/>
+              <a:endParaRPr lang="en-US"/>
+            </a:p>
+          </p:txBody>
+        </p:sp>
+        <p:sp>
+          <p:nvSpPr>
+            <p:cNvPr id="45" name="Rectangle 44">
+              <a:extLst>
+                <a:ext uri="{FF2B5EF4-FFF2-40B4-BE49-F238E27FC236}">
+                  <a16:creationId xmlns:a16="http://schemas.microsoft.com/office/drawing/2014/main" id="{BF553565-BAF7-A943-BC5B-A3A689FC131F}"/>
+                </a:ext>
+              </a:extLst>
+            </p:cNvPr>
+            <p:cNvSpPr/>
+            <p:nvPr/>
+          </p:nvSpPr>
+          <p:spPr>
+            <a:xfrm>
+              <a:off x="8220891" y="2012958"/>
+              <a:ext cx="182880" cy="182880"/>
+            </a:xfrm>
+            <a:prstGeom prst="rect">
+              <a:avLst/>
+            </a:prstGeom>
+            <a:solidFill>
+              <a:srgbClr val="FFD671"/>
+            </a:solidFill>
+            <a:ln>
+              <a:noFill/>
+            </a:ln>
+          </p:spPr>
+          <p:style>
+            <a:lnRef idx="2">
+              <a:schemeClr val="accent1">
+                <a:shade val="50000"/>
+              </a:schemeClr>
+            </a:lnRef>
+            <a:fillRef idx="1">
+              <a:schemeClr val="accent1"/>
+            </a:fillRef>
+            <a:effectRef idx="0">
+              <a:schemeClr val="accent1"/>
+            </a:effectRef>
+            <a:fontRef idx="minor">
+              <a:schemeClr val="lt1"/>
+            </a:fontRef>
+          </p:style>
+          <p:txBody>
+            <a:bodyPr rtlCol="0" anchor="ctr"/>
+            <a:lstStyle/>
+            <a:p>
+              <a:pPr algn="ctr"/>
+              <a:endParaRPr lang="en-US"/>
+            </a:p>
+          </p:txBody>
+        </p:sp>
+        <p:sp>
+          <p:nvSpPr>
+            <p:cNvPr id="46" name="Triangle 45">
+              <a:extLst>
+                <a:ext uri="{FF2B5EF4-FFF2-40B4-BE49-F238E27FC236}">
+                  <a16:creationId xmlns:a16="http://schemas.microsoft.com/office/drawing/2014/main" id="{1023A5CB-5C71-C74B-970A-76E2886D8A12}"/>
+                </a:ext>
+              </a:extLst>
+            </p:cNvPr>
+            <p:cNvSpPr/>
+            <p:nvPr/>
+          </p:nvSpPr>
+          <p:spPr>
+            <a:xfrm>
+              <a:off x="8220891" y="1836706"/>
+              <a:ext cx="182880" cy="182880"/>
+            </a:xfrm>
+            <a:prstGeom prst="triangle">
+              <a:avLst/>
+            </a:prstGeom>
+            <a:solidFill>
+              <a:srgbClr val="FFD671"/>
+            </a:solidFill>
+            <a:ln>
+              <a:noFill/>
+            </a:ln>
+          </p:spPr>
+          <p:style>
+            <a:lnRef idx="2">
+              <a:schemeClr val="accent1">
+                <a:shade val="50000"/>
+              </a:schemeClr>
+            </a:lnRef>
+            <a:fillRef idx="1">
+              <a:schemeClr val="accent1"/>
+            </a:fillRef>
+            <a:effectRef idx="0">
+              <a:schemeClr val="accent1"/>
+            </a:effectRef>
+            <a:fontRef idx="minor">
+              <a:schemeClr val="lt1"/>
+            </a:fontRef>
+          </p:style>
+          <p:txBody>
+            <a:bodyPr rtlCol="0" anchor="ctr"/>
+            <a:lstStyle/>
+            <a:p>
+              <a:pPr algn="ctr"/>
+              <a:endParaRPr lang="en-US"/>
+            </a:p>
+          </p:txBody>
+        </p:sp>
+        <p:sp>
+          <p:nvSpPr>
+            <p:cNvPr id="47" name="Rectangle 46">
+              <a:extLst>
+                <a:ext uri="{FF2B5EF4-FFF2-40B4-BE49-F238E27FC236}">
+                  <a16:creationId xmlns:a16="http://schemas.microsoft.com/office/drawing/2014/main" id="{F758A789-3AF8-294D-9156-BE41CCCDA8E3}"/>
+                </a:ext>
+              </a:extLst>
+            </p:cNvPr>
+            <p:cNvSpPr/>
+            <p:nvPr/>
+          </p:nvSpPr>
+          <p:spPr>
+            <a:xfrm>
+              <a:off x="9134895" y="2019586"/>
+              <a:ext cx="182880" cy="182880"/>
+            </a:xfrm>
+            <a:prstGeom prst="rect">
+              <a:avLst/>
+            </a:prstGeom>
+            <a:solidFill>
+              <a:srgbClr val="FFD671"/>
+            </a:solidFill>
+            <a:ln>
+              <a:noFill/>
+            </a:ln>
+          </p:spPr>
+          <p:style>
+            <a:lnRef idx="2">
+              <a:schemeClr val="accent1">
+                <a:shade val="50000"/>
+              </a:schemeClr>
+            </a:lnRef>
+            <a:fillRef idx="1">
+              <a:schemeClr val="accent1"/>
+            </a:fillRef>
+            <a:effectRef idx="0">
+              <a:schemeClr val="accent1"/>
+            </a:effectRef>
+            <a:fontRef idx="minor">
+              <a:schemeClr val="lt1"/>
+            </a:fontRef>
+          </p:style>
+          <p:txBody>
+            <a:bodyPr rtlCol="0" anchor="ctr"/>
+            <a:lstStyle/>
+            <a:p>
+              <a:pPr algn="ctr"/>
+              <a:endParaRPr lang="en-US"/>
+            </a:p>
+          </p:txBody>
+        </p:sp>
+        <p:sp>
+          <p:nvSpPr>
+            <p:cNvPr id="48" name="Triangle 47">
+              <a:extLst>
+                <a:ext uri="{FF2B5EF4-FFF2-40B4-BE49-F238E27FC236}">
+                  <a16:creationId xmlns:a16="http://schemas.microsoft.com/office/drawing/2014/main" id="{60EC6EBD-337A-BD47-937E-D73CC24098B8}"/>
+                </a:ext>
+              </a:extLst>
+            </p:cNvPr>
+            <p:cNvSpPr/>
+            <p:nvPr/>
+          </p:nvSpPr>
+          <p:spPr>
+            <a:xfrm>
+              <a:off x="9134895" y="1843334"/>
+              <a:ext cx="182880" cy="182880"/>
+            </a:xfrm>
+            <a:prstGeom prst="triangle">
+              <a:avLst/>
+            </a:prstGeom>
+            <a:solidFill>
+              <a:srgbClr val="FFD671"/>
+            </a:solidFill>
+            <a:ln>
+              <a:noFill/>
+            </a:ln>
+          </p:spPr>
+          <p:style>
+            <a:lnRef idx="2">
+              <a:schemeClr val="accent1">
+                <a:shade val="50000"/>
+              </a:schemeClr>
+            </a:lnRef>
+            <a:fillRef idx="1">
+              <a:schemeClr val="accent1"/>
+            </a:fillRef>
+            <a:effectRef idx="0">
+              <a:schemeClr val="accent1"/>
+            </a:effectRef>
+            <a:fontRef idx="minor">
+              <a:schemeClr val="lt1"/>
+            </a:fontRef>
+          </p:style>
+          <p:txBody>
+            <a:bodyPr rtlCol="0" anchor="ctr"/>
+            <a:lstStyle/>
+            <a:p>
+              <a:pPr algn="ctr"/>
+              <a:endParaRPr lang="en-US"/>
+            </a:p>
+          </p:txBody>
+        </p:sp>
+        <p:sp>
+          <p:nvSpPr>
+            <p:cNvPr id="50" name="Rounded Rectangle 49">
+              <a:extLst>
+                <a:ext uri="{FF2B5EF4-FFF2-40B4-BE49-F238E27FC236}">
+                  <a16:creationId xmlns:a16="http://schemas.microsoft.com/office/drawing/2014/main" id="{AD8D583D-BB20-864F-A8BF-9A79D9C23CDF}"/>
+                </a:ext>
+              </a:extLst>
+            </p:cNvPr>
+            <p:cNvSpPr/>
+            <p:nvPr/>
+          </p:nvSpPr>
+          <p:spPr>
+            <a:xfrm>
+              <a:off x="8667735" y="1733645"/>
+              <a:ext cx="182880" cy="457200"/>
+            </a:xfrm>
+            <a:prstGeom prst="roundRect">
+              <a:avLst/>
+            </a:prstGeom>
+            <a:solidFill>
+              <a:srgbClr val="424D58"/>
+            </a:solidFill>
+            <a:ln>
+              <a:noFill/>
+            </a:ln>
+          </p:spPr>
+          <p:style>
+            <a:lnRef idx="2">
+              <a:schemeClr val="accent1">
+                <a:shade val="50000"/>
+              </a:schemeClr>
+            </a:lnRef>
+            <a:fillRef idx="1">
+              <a:schemeClr val="accent1"/>
+            </a:fillRef>
+            <a:effectRef idx="0">
+              <a:schemeClr val="accent1"/>
+            </a:effectRef>
+            <a:fontRef idx="minor">
+              <a:schemeClr val="lt1"/>
+            </a:fontRef>
+          </p:style>
+          <p:txBody>
+            <a:bodyPr rtlCol="0" anchor="ctr"/>
+            <a:lstStyle/>
+            <a:p>
+              <a:pPr algn="ctr"/>
+              <a:endParaRPr lang="en-US"/>
+            </a:p>
+          </p:txBody>
+        </p:sp>
+        <p:sp>
+          <p:nvSpPr>
+            <p:cNvPr id="51" name="Rounded Rectangle 50">
+              <a:extLst>
+                <a:ext uri="{FF2B5EF4-FFF2-40B4-BE49-F238E27FC236}">
+                  <a16:creationId xmlns:a16="http://schemas.microsoft.com/office/drawing/2014/main" id="{BF0F63FF-FBC6-AC48-ACBE-BE5FD1D784A1}"/>
+                </a:ext>
+              </a:extLst>
+            </p:cNvPr>
+            <p:cNvSpPr/>
+            <p:nvPr/>
+          </p:nvSpPr>
+          <p:spPr>
+            <a:xfrm>
+              <a:off x="8327481" y="2537207"/>
+              <a:ext cx="182880" cy="457200"/>
+            </a:xfrm>
+            <a:prstGeom prst="roundRect">
+              <a:avLst/>
+            </a:prstGeom>
+            <a:solidFill>
+              <a:srgbClr val="424D58"/>
+            </a:solidFill>
+            <a:ln>
+              <a:noFill/>
+            </a:ln>
+          </p:spPr>
+          <p:style>
+            <a:lnRef idx="2">
+              <a:schemeClr val="accent1">
+                <a:shade val="50000"/>
+              </a:schemeClr>
+            </a:lnRef>
+            <a:fillRef idx="1">
+              <a:schemeClr val="accent1"/>
+            </a:fillRef>
+            <a:effectRef idx="0">
+              <a:schemeClr val="accent1"/>
+            </a:effectRef>
+            <a:fontRef idx="minor">
+              <a:schemeClr val="lt1"/>
+            </a:fontRef>
+          </p:style>
+          <p:txBody>
+            <a:bodyPr rtlCol="0" anchor="ctr"/>
+            <a:lstStyle/>
+            <a:p>
+              <a:pPr algn="ctr"/>
+              <a:endParaRPr lang="en-US"/>
+            </a:p>
+          </p:txBody>
+        </p:sp>
+        <p:sp>
+          <p:nvSpPr>
+            <p:cNvPr id="52" name="Rounded Rectangle 51">
+              <a:extLst>
+                <a:ext uri="{FF2B5EF4-FFF2-40B4-BE49-F238E27FC236}">
+                  <a16:creationId xmlns:a16="http://schemas.microsoft.com/office/drawing/2014/main" id="{E84F667B-825B-424D-9709-42FB517D7DD4}"/>
+                </a:ext>
+              </a:extLst>
+            </p:cNvPr>
+            <p:cNvSpPr/>
+            <p:nvPr/>
+          </p:nvSpPr>
+          <p:spPr>
+            <a:xfrm>
+              <a:off x="9026048" y="2537207"/>
+              <a:ext cx="182880" cy="457200"/>
+            </a:xfrm>
+            <a:prstGeom prst="roundRect">
+              <a:avLst/>
+            </a:prstGeom>
+            <a:solidFill>
+              <a:srgbClr val="424D58"/>
+            </a:solidFill>
+            <a:ln>
+              <a:noFill/>
+            </a:ln>
+          </p:spPr>
+          <p:style>
+            <a:lnRef idx="2">
+              <a:schemeClr val="accent1">
+                <a:shade val="50000"/>
+              </a:schemeClr>
+            </a:lnRef>
+            <a:fillRef idx="1">
+              <a:schemeClr val="accent1"/>
+            </a:fillRef>
+            <a:effectRef idx="0">
+              <a:schemeClr val="accent1"/>
+            </a:effectRef>
+            <a:fontRef idx="minor">
+              <a:schemeClr val="lt1"/>
+            </a:fontRef>
+          </p:style>
+          <p:txBody>
+            <a:bodyPr rtlCol="0" anchor="ctr"/>
+            <a:lstStyle/>
+            <a:p>
+              <a:pPr algn="ctr"/>
+              <a:endParaRPr lang="en-US"/>
+            </a:p>
+          </p:txBody>
+        </p:sp>
+        <p:sp>
+          <p:nvSpPr>
+            <p:cNvPr id="53" name="Rounded Rectangle 52">
+              <a:extLst>
+                <a:ext uri="{FF2B5EF4-FFF2-40B4-BE49-F238E27FC236}">
+                  <a16:creationId xmlns:a16="http://schemas.microsoft.com/office/drawing/2014/main" id="{4FEE2FD4-4567-B746-AA37-0572986396D5}"/>
+                </a:ext>
+              </a:extLst>
+            </p:cNvPr>
+            <p:cNvSpPr/>
+            <p:nvPr/>
+          </p:nvSpPr>
+          <p:spPr>
+            <a:xfrm>
+              <a:off x="8667734" y="2527239"/>
+              <a:ext cx="182880" cy="457200"/>
+            </a:xfrm>
+            <a:prstGeom prst="roundRect">
+              <a:avLst/>
+            </a:prstGeom>
+            <a:solidFill>
+              <a:srgbClr val="424D58"/>
+            </a:solidFill>
+            <a:ln>
+              <a:noFill/>
+            </a:ln>
+          </p:spPr>
+          <p:style>
+            <a:lnRef idx="2">
+              <a:schemeClr val="accent1">
+                <a:shade val="50000"/>
+              </a:schemeClr>
+            </a:lnRef>
+            <a:fillRef idx="1">
+              <a:schemeClr val="accent1"/>
+            </a:fillRef>
+            <a:effectRef idx="0">
+              <a:schemeClr val="accent1"/>
+            </a:effectRef>
+            <a:fontRef idx="minor">
+              <a:schemeClr val="lt1"/>
+            </a:fontRef>
+          </p:style>
+          <p:txBody>
+            <a:bodyPr rtlCol="0" anchor="ctr"/>
+            <a:lstStyle/>
+            <a:p>
+              <a:pPr algn="ctr"/>
+              <a:endParaRPr lang="en-US"/>
+            </a:p>
+          </p:txBody>
+        </p:sp>
+      </p:grpSp>
     </p:spTree>
     <p:extLst>
       <p:ext uri="{BB962C8B-B14F-4D97-AF65-F5344CB8AC3E}">
@@ -6087,10 +6916,62 @@
           <a:chExt cx="0" cy="0"/>
         </a:xfrm>
       </p:grpSpPr>
+      <p:sp>
+        <p:nvSpPr>
+          <p:cNvPr id="4" name="Rectangle 3">
+            <a:extLst>
+              <a:ext uri="{FF2B5EF4-FFF2-40B4-BE49-F238E27FC236}">
+                <a16:creationId xmlns:a16="http://schemas.microsoft.com/office/drawing/2014/main" id="{0CE14DF0-7829-C44C-B7D5-81E5EA1FAC22}"/>
+              </a:ext>
+            </a:extLst>
+          </p:cNvPr>
+          <p:cNvSpPr/>
+          <p:nvPr/>
+        </p:nvSpPr>
+        <p:spPr>
+          <a:xfrm>
+            <a:off x="0" y="0"/>
+            <a:ext cx="12192000" cy="6858000"/>
+          </a:xfrm>
+          <a:prstGeom prst="rect">
+            <a:avLst/>
+          </a:prstGeom>
+          <a:solidFill>
+            <a:srgbClr val="FF71A6"/>
+          </a:solidFill>
+          <a:ln>
+            <a:noFill/>
+          </a:ln>
+        </p:spPr>
+        <p:style>
+          <a:lnRef idx="2">
+            <a:schemeClr val="accent1">
+              <a:shade val="50000"/>
+            </a:schemeClr>
+          </a:lnRef>
+          <a:fillRef idx="1">
+            <a:schemeClr val="accent1"/>
+          </a:fillRef>
+          <a:effectRef idx="0">
+            <a:schemeClr val="accent1"/>
+          </a:effectRef>
+          <a:fontRef idx="minor">
+            <a:schemeClr val="lt1"/>
+          </a:fontRef>
+        </p:style>
+        <p:txBody>
+          <a:bodyPr rtlCol="0" anchor="ctr"/>
+          <a:lstStyle/>
+          <a:p>
+            <a:pPr algn="ctr"/>
+            <a:endParaRPr lang="en-US"/>
+          </a:p>
+        </p:txBody>
+      </p:sp>
     </p:spTree>
     <p:extLst>
       <p:ext uri="{BB962C8B-B14F-4D97-AF65-F5344CB8AC3E}">
-        <p14:creationId xmlns:p14="http://schemas.microsoft.com/office/powerpoint/2010/main" val="781122166"/>
+        <p14:creationId xmlns:p14="http://schemas.microsoft.com/office/powerpoint/2010/main" val="1002225689"/>
       </p:ext>
     </p:extLst>
   </p:cSld>
@@ -6117,6 +6998,36 @@
           <a:chExt cx="0" cy="0"/>
         </a:xfrm>
       </p:grpSpPr>
+    </p:spTree>
+    <p:extLst>
+      <p:ext uri="{BB962C8B-B14F-4D97-AF65-F5344CB8AC3E}">
+        <p14:creationId xmlns:p14="http://schemas.microsoft.com/office/powerpoint/2010/main" val="781122166"/>
+      </p:ext>
+    </p:extLst>
+  </p:cSld>
+  <p:clrMapOvr>
+    <a:masterClrMapping/>
+  </p:clrMapOvr>
+</p:sld>
+</file>
+
+<file path=ppt/slides/slide5.xml><?xml version="1.0" encoding="utf-8"?>
+<p:sld xmlns:a="http://schemas.openxmlformats.org/drawingml/2006/main" xmlns:r="http://schemas.openxmlformats.org/officeDocument/2006/relationships" xmlns:p="http://schemas.openxmlformats.org/presentationml/2006/main">
+  <p:cSld>
+    <p:spTree>
+      <p:nvGrpSpPr>
+        <p:cNvPr id="1" name=""/>
+        <p:cNvGrpSpPr/>
+        <p:nvPr/>
+      </p:nvGrpSpPr>
+      <p:grpSpPr>
+        <a:xfrm>
+          <a:off x="0" y="0"/>
+          <a:ext cx="0" cy="0"/>
+          <a:chOff x="0" y="0"/>
+          <a:chExt cx="0" cy="0"/>
+        </a:xfrm>
+      </p:grpSpPr>
       <p:sp>
         <p:nvSpPr>
           <p:cNvPr id="2" name="TextBox 1">
@@ -6161,6 +7072,159 @@
     <p:extLst>
       <p:ext uri="{BB962C8B-B14F-4D97-AF65-F5344CB8AC3E}">
         <p14:creationId xmlns:p14="http://schemas.microsoft.com/office/powerpoint/2010/main" val="2487032311"/>
+      </p:ext>
+    </p:extLst>
+  </p:cSld>
+  <p:clrMapOvr>
+    <a:masterClrMapping/>
+  </p:clrMapOvr>
+</p:sld>
+</file>
+
+<file path=ppt/slides/slide6.xml><?xml version="1.0" encoding="utf-8"?>
+<p:sld xmlns:a="http://schemas.openxmlformats.org/drawingml/2006/main" xmlns:r="http://schemas.openxmlformats.org/officeDocument/2006/relationships" xmlns:p="http://schemas.openxmlformats.org/presentationml/2006/main">
+  <p:cSld>
+    <p:spTree>
+      <p:nvGrpSpPr>
+        <p:cNvPr id="1" name=""/>
+        <p:cNvGrpSpPr/>
+        <p:nvPr/>
+      </p:nvGrpSpPr>
+      <p:grpSpPr>
+        <a:xfrm>
+          <a:off x="0" y="0"/>
+          <a:ext cx="0" cy="0"/>
+          <a:chOff x="0" y="0"/>
+          <a:chExt cx="0" cy="0"/>
+        </a:xfrm>
+      </p:grpSpPr>
+      <p:pic>
+        <p:nvPicPr>
+          <p:cNvPr id="7" name="Picture 6" descr="A close up of a sign&#10;&#10;Description automatically generated">
+            <a:extLst>
+              <a:ext uri="{FF2B5EF4-FFF2-40B4-BE49-F238E27FC236}">
+                <a16:creationId xmlns:a16="http://schemas.microsoft.com/office/drawing/2014/main" id="{89AF1C60-DC25-8849-A23B-364957F7615E}"/>
+              </a:ext>
+            </a:extLst>
+          </p:cNvPr>
+          <p:cNvPicPr>
+            <a:picLocks noChangeAspect="1"/>
+          </p:cNvPicPr>
+          <p:nvPr/>
+        </p:nvPicPr>
+        <p:blipFill>
+          <a:blip r:embed="rId2"/>
+          <a:stretch>
+            <a:fillRect/>
+          </a:stretch>
+        </p:blipFill>
+        <p:spPr>
+          <a:xfrm>
+            <a:off x="3686508" y="3873693"/>
+            <a:ext cx="4572000" cy="2984307"/>
+          </a:xfrm>
+          <a:prstGeom prst="rect">
+            <a:avLst/>
+          </a:prstGeom>
+        </p:spPr>
+      </p:pic>
+      <p:sp>
+        <p:nvSpPr>
+          <p:cNvPr id="8" name="Rectangle 7">
+            <a:extLst>
+              <a:ext uri="{FF2B5EF4-FFF2-40B4-BE49-F238E27FC236}">
+                <a16:creationId xmlns:a16="http://schemas.microsoft.com/office/drawing/2014/main" id="{62E985A7-D2F6-D04A-BD80-3ECD39FDCA0E}"/>
+              </a:ext>
+            </a:extLst>
+          </p:cNvPr>
+          <p:cNvSpPr>
+            <a:spLocks/>
+          </p:cNvSpPr>
+          <p:nvPr/>
+        </p:nvSpPr>
+        <p:spPr>
+          <a:xfrm>
+            <a:off x="3686508" y="247493"/>
+            <a:ext cx="4572000" cy="1828800"/>
+          </a:xfrm>
+          <a:prstGeom prst="rect">
+            <a:avLst/>
+          </a:prstGeom>
+          <a:gradFill flip="none" rotWithShape="1">
+            <a:gsLst>
+              <a:gs pos="5000">
+                <a:srgbClr val="FF71A6"/>
+              </a:gs>
+              <a:gs pos="95000">
+                <a:srgbClr val="FF9870"/>
+              </a:gs>
+            </a:gsLst>
+            <a:lin ang="5400000" scaled="1"/>
+            <a:tileRect/>
+          </a:gradFill>
+          <a:ln>
+            <a:noFill/>
+          </a:ln>
+        </p:spPr>
+        <p:style>
+          <a:lnRef idx="2">
+            <a:schemeClr val="accent1">
+              <a:shade val="50000"/>
+            </a:schemeClr>
+          </a:lnRef>
+          <a:fillRef idx="1">
+            <a:schemeClr val="accent1"/>
+          </a:fillRef>
+          <a:effectRef idx="0">
+            <a:schemeClr val="accent1"/>
+          </a:effectRef>
+          <a:fontRef idx="minor">
+            <a:schemeClr val="lt1"/>
+          </a:fontRef>
+        </p:style>
+        <p:txBody>
+          <a:bodyPr rtlCol="0" anchor="ctr"/>
+          <a:lstStyle/>
+          <a:p>
+            <a:pPr algn="ctr"/>
+            <a:endParaRPr lang="en-US" dirty="0"/>
+          </a:p>
+        </p:txBody>
+      </p:sp>
+      <p:pic>
+        <p:nvPicPr>
+          <p:cNvPr id="12" name="Picture 11" descr="A close up of a logo&#10;&#10;Description automatically generated">
+            <a:extLst>
+              <a:ext uri="{FF2B5EF4-FFF2-40B4-BE49-F238E27FC236}">
+                <a16:creationId xmlns:a16="http://schemas.microsoft.com/office/drawing/2014/main" id="{0CF1C4DF-E8E5-DA4A-BF3B-8BDB913EEC3D}"/>
+              </a:ext>
+            </a:extLst>
+          </p:cNvPr>
+          <p:cNvPicPr>
+            <a:picLocks noChangeAspect="1"/>
+          </p:cNvPicPr>
+          <p:nvPr/>
+        </p:nvPicPr>
+        <p:blipFill>
+          <a:blip r:embed="rId3"/>
+          <a:stretch>
+            <a:fillRect/>
+          </a:stretch>
+        </p:blipFill>
+        <p:spPr>
+          <a:xfrm>
+            <a:off x="3686508" y="2076293"/>
+            <a:ext cx="4572000" cy="1797400"/>
+          </a:xfrm>
+          <a:prstGeom prst="rect">
+            <a:avLst/>
+          </a:prstGeom>
+        </p:spPr>
+      </p:pic>
+    </p:spTree>
+    <p:extLst>
+      <p:ext uri="{BB962C8B-B14F-4D97-AF65-F5344CB8AC3E}">
+        <p14:creationId xmlns:p14="http://schemas.microsoft.com/office/powerpoint/2010/main" val="649429814"/>
       </p:ext>
     </p:extLst>
   </p:cSld>
